--- a/bike (1) [Autosaved].pptx
+++ b/bike (1) [Autosaved].pptx
@@ -219,7 +219,7 @@
             <a:fld id="{24D4B2BB-35E8-478C-81D6-3AE5FFB0DD75}" type="datetimeFigureOut">
               <a:rPr lang="en-IN" smtClean="0"/>
               <a:pPr/>
-              <a:t>19-04-2025</a:t>
+              <a:t>20-04-2025</a:t>
             </a:fld>
             <a:endParaRPr lang="en-IN"/>
           </a:p>
@@ -595,7 +595,7 @@
           <p:cNvPr id="2" name="Title 1">
             <a:extLst>
               <a:ext uri="{FF2B5EF4-FFF2-40B4-BE49-F238E27FC236}">
-                <a16:creationId xmlns:a16="http://schemas.microsoft.com/office/drawing/2014/main" xmlns="" id="{ECBC7FFD-9AF6-2B3A-972D-002661B91064}"/>
+                <a16:creationId xmlns="" xmlns:a16="http://schemas.microsoft.com/office/drawing/2014/main" id="{ECBC7FFD-9AF6-2B3A-972D-002661B91064}"/>
               </a:ext>
             </a:extLst>
           </p:cNvPr>
@@ -633,7 +633,7 @@
           <p:cNvPr id="3" name="Subtitle 2">
             <a:extLst>
               <a:ext uri="{FF2B5EF4-FFF2-40B4-BE49-F238E27FC236}">
-                <a16:creationId xmlns:a16="http://schemas.microsoft.com/office/drawing/2014/main" xmlns="" id="{392C8541-C58C-A397-F0B7-ADF0DA6BF9A8}"/>
+                <a16:creationId xmlns="" xmlns:a16="http://schemas.microsoft.com/office/drawing/2014/main" id="{392C8541-C58C-A397-F0B7-ADF0DA6BF9A8}"/>
               </a:ext>
             </a:extLst>
           </p:cNvPr>
@@ -704,7 +704,7 @@
           <p:cNvPr id="4" name="Date Placeholder 3">
             <a:extLst>
               <a:ext uri="{FF2B5EF4-FFF2-40B4-BE49-F238E27FC236}">
-                <a16:creationId xmlns:a16="http://schemas.microsoft.com/office/drawing/2014/main" xmlns="" id="{E33BD9EA-F886-6B8B-073D-5F803966B730}"/>
+                <a16:creationId xmlns="" xmlns:a16="http://schemas.microsoft.com/office/drawing/2014/main" id="{E33BD9EA-F886-6B8B-073D-5F803966B730}"/>
               </a:ext>
             </a:extLst>
           </p:cNvPr>
@@ -723,7 +723,7 @@
             <a:fld id="{3B7B015F-E5DA-4DE8-9A91-FE7A58C55F36}" type="datetimeFigureOut">
               <a:rPr lang="en-IN" smtClean="0"/>
               <a:pPr/>
-              <a:t>19-04-2025</a:t>
+              <a:t>20-04-2025</a:t>
             </a:fld>
             <a:endParaRPr lang="en-IN"/>
           </a:p>
@@ -734,7 +734,7 @@
           <p:cNvPr id="5" name="Footer Placeholder 4">
             <a:extLst>
               <a:ext uri="{FF2B5EF4-FFF2-40B4-BE49-F238E27FC236}">
-                <a16:creationId xmlns:a16="http://schemas.microsoft.com/office/drawing/2014/main" xmlns="" id="{783502D1-EA4E-EE02-884F-D3636ADE7EC0}"/>
+                <a16:creationId xmlns="" xmlns:a16="http://schemas.microsoft.com/office/drawing/2014/main" id="{783502D1-EA4E-EE02-884F-D3636ADE7EC0}"/>
               </a:ext>
             </a:extLst>
           </p:cNvPr>
@@ -759,7 +759,7 @@
           <p:cNvPr id="6" name="Slide Number Placeholder 5">
             <a:extLst>
               <a:ext uri="{FF2B5EF4-FFF2-40B4-BE49-F238E27FC236}">
-                <a16:creationId xmlns:a16="http://schemas.microsoft.com/office/drawing/2014/main" xmlns="" id="{FE6DD4EB-2C8F-1810-96E2-476C14723F4D}"/>
+                <a16:creationId xmlns="" xmlns:a16="http://schemas.microsoft.com/office/drawing/2014/main" id="{FE6DD4EB-2C8F-1810-96E2-476C14723F4D}"/>
               </a:ext>
             </a:extLst>
           </p:cNvPr>
@@ -819,7 +819,7 @@
           <p:cNvPr id="2" name="Title 1">
             <a:extLst>
               <a:ext uri="{FF2B5EF4-FFF2-40B4-BE49-F238E27FC236}">
-                <a16:creationId xmlns:a16="http://schemas.microsoft.com/office/drawing/2014/main" xmlns="" id="{31CB48E5-DDD0-FAD1-2826-CFFA59791C7B}"/>
+                <a16:creationId xmlns="" xmlns:a16="http://schemas.microsoft.com/office/drawing/2014/main" id="{31CB48E5-DDD0-FAD1-2826-CFFA59791C7B}"/>
               </a:ext>
             </a:extLst>
           </p:cNvPr>
@@ -848,7 +848,7 @@
           <p:cNvPr id="3" name="Vertical Text Placeholder 2">
             <a:extLst>
               <a:ext uri="{FF2B5EF4-FFF2-40B4-BE49-F238E27FC236}">
-                <a16:creationId xmlns:a16="http://schemas.microsoft.com/office/drawing/2014/main" xmlns="" id="{DC692A0F-6812-62D4-2377-9C89F3625597}"/>
+                <a16:creationId xmlns="" xmlns:a16="http://schemas.microsoft.com/office/drawing/2014/main" id="{DC692A0F-6812-62D4-2377-9C89F3625597}"/>
               </a:ext>
             </a:extLst>
           </p:cNvPr>
@@ -906,7 +906,7 @@
           <p:cNvPr id="4" name="Date Placeholder 3">
             <a:extLst>
               <a:ext uri="{FF2B5EF4-FFF2-40B4-BE49-F238E27FC236}">
-                <a16:creationId xmlns:a16="http://schemas.microsoft.com/office/drawing/2014/main" xmlns="" id="{D8791DD9-01FC-CD2D-128E-C9AD511A0E07}"/>
+                <a16:creationId xmlns="" xmlns:a16="http://schemas.microsoft.com/office/drawing/2014/main" id="{D8791DD9-01FC-CD2D-128E-C9AD511A0E07}"/>
               </a:ext>
             </a:extLst>
           </p:cNvPr>
@@ -925,7 +925,7 @@
             <a:fld id="{3B7B015F-E5DA-4DE8-9A91-FE7A58C55F36}" type="datetimeFigureOut">
               <a:rPr lang="en-IN" smtClean="0"/>
               <a:pPr/>
-              <a:t>19-04-2025</a:t>
+              <a:t>20-04-2025</a:t>
             </a:fld>
             <a:endParaRPr lang="en-IN"/>
           </a:p>
@@ -936,7 +936,7 @@
           <p:cNvPr id="5" name="Footer Placeholder 4">
             <a:extLst>
               <a:ext uri="{FF2B5EF4-FFF2-40B4-BE49-F238E27FC236}">
-                <a16:creationId xmlns:a16="http://schemas.microsoft.com/office/drawing/2014/main" xmlns="" id="{B3D6BECF-B5A1-DA97-042E-B93076844419}"/>
+                <a16:creationId xmlns="" xmlns:a16="http://schemas.microsoft.com/office/drawing/2014/main" id="{B3D6BECF-B5A1-DA97-042E-B93076844419}"/>
               </a:ext>
             </a:extLst>
           </p:cNvPr>
@@ -961,7 +961,7 @@
           <p:cNvPr id="6" name="Slide Number Placeholder 5">
             <a:extLst>
               <a:ext uri="{FF2B5EF4-FFF2-40B4-BE49-F238E27FC236}">
-                <a16:creationId xmlns:a16="http://schemas.microsoft.com/office/drawing/2014/main" xmlns="" id="{E8A64D9C-D9D5-24AE-9EB5-97899794EAB9}"/>
+                <a16:creationId xmlns="" xmlns:a16="http://schemas.microsoft.com/office/drawing/2014/main" id="{E8A64D9C-D9D5-24AE-9EB5-97899794EAB9}"/>
               </a:ext>
             </a:extLst>
           </p:cNvPr>
@@ -1021,7 +1021,7 @@
           <p:cNvPr id="2" name="Vertical Title 1">
             <a:extLst>
               <a:ext uri="{FF2B5EF4-FFF2-40B4-BE49-F238E27FC236}">
-                <a16:creationId xmlns:a16="http://schemas.microsoft.com/office/drawing/2014/main" xmlns="" id="{2B9A472C-73AE-F658-2829-98EB80318D41}"/>
+                <a16:creationId xmlns="" xmlns:a16="http://schemas.microsoft.com/office/drawing/2014/main" id="{2B9A472C-73AE-F658-2829-98EB80318D41}"/>
               </a:ext>
             </a:extLst>
           </p:cNvPr>
@@ -1055,7 +1055,7 @@
           <p:cNvPr id="3" name="Vertical Text Placeholder 2">
             <a:extLst>
               <a:ext uri="{FF2B5EF4-FFF2-40B4-BE49-F238E27FC236}">
-                <a16:creationId xmlns:a16="http://schemas.microsoft.com/office/drawing/2014/main" xmlns="" id="{AC86484F-59B3-E9E8-3E2B-38F6A43943AC}"/>
+                <a16:creationId xmlns="" xmlns:a16="http://schemas.microsoft.com/office/drawing/2014/main" id="{AC86484F-59B3-E9E8-3E2B-38F6A43943AC}"/>
               </a:ext>
             </a:extLst>
           </p:cNvPr>
@@ -1118,7 +1118,7 @@
           <p:cNvPr id="4" name="Date Placeholder 3">
             <a:extLst>
               <a:ext uri="{FF2B5EF4-FFF2-40B4-BE49-F238E27FC236}">
-                <a16:creationId xmlns:a16="http://schemas.microsoft.com/office/drawing/2014/main" xmlns="" id="{5708F875-3C73-F7D7-40A7-85912CB5CB64}"/>
+                <a16:creationId xmlns="" xmlns:a16="http://schemas.microsoft.com/office/drawing/2014/main" id="{5708F875-3C73-F7D7-40A7-85912CB5CB64}"/>
               </a:ext>
             </a:extLst>
           </p:cNvPr>
@@ -1137,7 +1137,7 @@
             <a:fld id="{3B7B015F-E5DA-4DE8-9A91-FE7A58C55F36}" type="datetimeFigureOut">
               <a:rPr lang="en-IN" smtClean="0"/>
               <a:pPr/>
-              <a:t>19-04-2025</a:t>
+              <a:t>20-04-2025</a:t>
             </a:fld>
             <a:endParaRPr lang="en-IN"/>
           </a:p>
@@ -1148,7 +1148,7 @@
           <p:cNvPr id="5" name="Footer Placeholder 4">
             <a:extLst>
               <a:ext uri="{FF2B5EF4-FFF2-40B4-BE49-F238E27FC236}">
-                <a16:creationId xmlns:a16="http://schemas.microsoft.com/office/drawing/2014/main" xmlns="" id="{83E2426D-3BD3-71BD-2AC6-A16E2F51B8E7}"/>
+                <a16:creationId xmlns="" xmlns:a16="http://schemas.microsoft.com/office/drawing/2014/main" id="{83E2426D-3BD3-71BD-2AC6-A16E2F51B8E7}"/>
               </a:ext>
             </a:extLst>
           </p:cNvPr>
@@ -1173,7 +1173,7 @@
           <p:cNvPr id="6" name="Slide Number Placeholder 5">
             <a:extLst>
               <a:ext uri="{FF2B5EF4-FFF2-40B4-BE49-F238E27FC236}">
-                <a16:creationId xmlns:a16="http://schemas.microsoft.com/office/drawing/2014/main" xmlns="" id="{6DCEB1C0-35CE-A907-B3A8-D64CE9F6FFBD}"/>
+                <a16:creationId xmlns="" xmlns:a16="http://schemas.microsoft.com/office/drawing/2014/main" id="{6DCEB1C0-35CE-A907-B3A8-D64CE9F6FFBD}"/>
               </a:ext>
             </a:extLst>
           </p:cNvPr>
@@ -1233,7 +1233,7 @@
           <p:cNvPr id="2" name="Title 1">
             <a:extLst>
               <a:ext uri="{FF2B5EF4-FFF2-40B4-BE49-F238E27FC236}">
-                <a16:creationId xmlns:a16="http://schemas.microsoft.com/office/drawing/2014/main" xmlns="" id="{CF6408E4-5710-9563-3CD4-0F3BC0D1CDD9}"/>
+                <a16:creationId xmlns="" xmlns:a16="http://schemas.microsoft.com/office/drawing/2014/main" id="{CF6408E4-5710-9563-3CD4-0F3BC0D1CDD9}"/>
               </a:ext>
             </a:extLst>
           </p:cNvPr>
@@ -1262,7 +1262,7 @@
           <p:cNvPr id="3" name="Content Placeholder 2">
             <a:extLst>
               <a:ext uri="{FF2B5EF4-FFF2-40B4-BE49-F238E27FC236}">
-                <a16:creationId xmlns:a16="http://schemas.microsoft.com/office/drawing/2014/main" xmlns="" id="{B0EC5C43-0D79-E18D-536E-BC23AE4AB688}"/>
+                <a16:creationId xmlns="" xmlns:a16="http://schemas.microsoft.com/office/drawing/2014/main" id="{B0EC5C43-0D79-E18D-536E-BC23AE4AB688}"/>
               </a:ext>
             </a:extLst>
           </p:cNvPr>
@@ -1320,7 +1320,7 @@
           <p:cNvPr id="4" name="Date Placeholder 3">
             <a:extLst>
               <a:ext uri="{FF2B5EF4-FFF2-40B4-BE49-F238E27FC236}">
-                <a16:creationId xmlns:a16="http://schemas.microsoft.com/office/drawing/2014/main" xmlns="" id="{BB5E7A0A-A5D9-0368-2C6E-FDC6158145AB}"/>
+                <a16:creationId xmlns="" xmlns:a16="http://schemas.microsoft.com/office/drawing/2014/main" id="{BB5E7A0A-A5D9-0368-2C6E-FDC6158145AB}"/>
               </a:ext>
             </a:extLst>
           </p:cNvPr>
@@ -1339,7 +1339,7 @@
             <a:fld id="{3B7B015F-E5DA-4DE8-9A91-FE7A58C55F36}" type="datetimeFigureOut">
               <a:rPr lang="en-IN" smtClean="0"/>
               <a:pPr/>
-              <a:t>19-04-2025</a:t>
+              <a:t>20-04-2025</a:t>
             </a:fld>
             <a:endParaRPr lang="en-IN"/>
           </a:p>
@@ -1350,7 +1350,7 @@
           <p:cNvPr id="5" name="Footer Placeholder 4">
             <a:extLst>
               <a:ext uri="{FF2B5EF4-FFF2-40B4-BE49-F238E27FC236}">
-                <a16:creationId xmlns:a16="http://schemas.microsoft.com/office/drawing/2014/main" xmlns="" id="{179B6B8D-BD1D-CB76-1A82-E1C2ECB34746}"/>
+                <a16:creationId xmlns="" xmlns:a16="http://schemas.microsoft.com/office/drawing/2014/main" id="{179B6B8D-BD1D-CB76-1A82-E1C2ECB34746}"/>
               </a:ext>
             </a:extLst>
           </p:cNvPr>
@@ -1375,7 +1375,7 @@
           <p:cNvPr id="6" name="Slide Number Placeholder 5">
             <a:extLst>
               <a:ext uri="{FF2B5EF4-FFF2-40B4-BE49-F238E27FC236}">
-                <a16:creationId xmlns:a16="http://schemas.microsoft.com/office/drawing/2014/main" xmlns="" id="{8DEF46EF-5199-C77B-6E7B-D0251F7236E4}"/>
+                <a16:creationId xmlns="" xmlns:a16="http://schemas.microsoft.com/office/drawing/2014/main" id="{8DEF46EF-5199-C77B-6E7B-D0251F7236E4}"/>
               </a:ext>
             </a:extLst>
           </p:cNvPr>
@@ -1435,7 +1435,7 @@
           <p:cNvPr id="2" name="Title 1">
             <a:extLst>
               <a:ext uri="{FF2B5EF4-FFF2-40B4-BE49-F238E27FC236}">
-                <a16:creationId xmlns:a16="http://schemas.microsoft.com/office/drawing/2014/main" xmlns="" id="{BD1B5F5D-36A8-839D-5F47-DA694F26DBA3}"/>
+                <a16:creationId xmlns="" xmlns:a16="http://schemas.microsoft.com/office/drawing/2014/main" id="{BD1B5F5D-36A8-839D-5F47-DA694F26DBA3}"/>
               </a:ext>
             </a:extLst>
           </p:cNvPr>
@@ -1473,7 +1473,7 @@
           <p:cNvPr id="3" name="Text Placeholder 2">
             <a:extLst>
               <a:ext uri="{FF2B5EF4-FFF2-40B4-BE49-F238E27FC236}">
-                <a16:creationId xmlns:a16="http://schemas.microsoft.com/office/drawing/2014/main" xmlns="" id="{168E6AA4-6A93-B980-23DC-1BD414CE898B}"/>
+                <a16:creationId xmlns="" xmlns:a16="http://schemas.microsoft.com/office/drawing/2014/main" id="{168E6AA4-6A93-B980-23DC-1BD414CE898B}"/>
               </a:ext>
             </a:extLst>
           </p:cNvPr>
@@ -1598,7 +1598,7 @@
           <p:cNvPr id="4" name="Date Placeholder 3">
             <a:extLst>
               <a:ext uri="{FF2B5EF4-FFF2-40B4-BE49-F238E27FC236}">
-                <a16:creationId xmlns:a16="http://schemas.microsoft.com/office/drawing/2014/main" xmlns="" id="{A738854F-8A3E-8D0A-5234-2112E2589CB5}"/>
+                <a16:creationId xmlns="" xmlns:a16="http://schemas.microsoft.com/office/drawing/2014/main" id="{A738854F-8A3E-8D0A-5234-2112E2589CB5}"/>
               </a:ext>
             </a:extLst>
           </p:cNvPr>
@@ -1617,7 +1617,7 @@
             <a:fld id="{3B7B015F-E5DA-4DE8-9A91-FE7A58C55F36}" type="datetimeFigureOut">
               <a:rPr lang="en-IN" smtClean="0"/>
               <a:pPr/>
-              <a:t>19-04-2025</a:t>
+              <a:t>20-04-2025</a:t>
             </a:fld>
             <a:endParaRPr lang="en-IN"/>
           </a:p>
@@ -1628,7 +1628,7 @@
           <p:cNvPr id="5" name="Footer Placeholder 4">
             <a:extLst>
               <a:ext uri="{FF2B5EF4-FFF2-40B4-BE49-F238E27FC236}">
-                <a16:creationId xmlns:a16="http://schemas.microsoft.com/office/drawing/2014/main" xmlns="" id="{429DD11E-0736-E19B-7ED5-7023BD6BC7FA}"/>
+                <a16:creationId xmlns="" xmlns:a16="http://schemas.microsoft.com/office/drawing/2014/main" id="{429DD11E-0736-E19B-7ED5-7023BD6BC7FA}"/>
               </a:ext>
             </a:extLst>
           </p:cNvPr>
@@ -1653,7 +1653,7 @@
           <p:cNvPr id="6" name="Slide Number Placeholder 5">
             <a:extLst>
               <a:ext uri="{FF2B5EF4-FFF2-40B4-BE49-F238E27FC236}">
-                <a16:creationId xmlns:a16="http://schemas.microsoft.com/office/drawing/2014/main" xmlns="" id="{5DBE3566-849F-1EED-360B-B9F303C644B8}"/>
+                <a16:creationId xmlns="" xmlns:a16="http://schemas.microsoft.com/office/drawing/2014/main" id="{5DBE3566-849F-1EED-360B-B9F303C644B8}"/>
               </a:ext>
             </a:extLst>
           </p:cNvPr>
@@ -1713,7 +1713,7 @@
           <p:cNvPr id="2" name="Title 1">
             <a:extLst>
               <a:ext uri="{FF2B5EF4-FFF2-40B4-BE49-F238E27FC236}">
-                <a16:creationId xmlns:a16="http://schemas.microsoft.com/office/drawing/2014/main" xmlns="" id="{1FAE6855-88F6-F516-4363-370D6371D454}"/>
+                <a16:creationId xmlns="" xmlns:a16="http://schemas.microsoft.com/office/drawing/2014/main" id="{1FAE6855-88F6-F516-4363-370D6371D454}"/>
               </a:ext>
             </a:extLst>
           </p:cNvPr>
@@ -1742,7 +1742,7 @@
           <p:cNvPr id="3" name="Content Placeholder 2">
             <a:extLst>
               <a:ext uri="{FF2B5EF4-FFF2-40B4-BE49-F238E27FC236}">
-                <a16:creationId xmlns:a16="http://schemas.microsoft.com/office/drawing/2014/main" xmlns="" id="{7A208B2E-A2A8-11DF-FBF3-295BA465A253}"/>
+                <a16:creationId xmlns="" xmlns:a16="http://schemas.microsoft.com/office/drawing/2014/main" id="{7A208B2E-A2A8-11DF-FBF3-295BA465A253}"/>
               </a:ext>
             </a:extLst>
           </p:cNvPr>
@@ -1805,7 +1805,7 @@
           <p:cNvPr id="4" name="Content Placeholder 3">
             <a:extLst>
               <a:ext uri="{FF2B5EF4-FFF2-40B4-BE49-F238E27FC236}">
-                <a16:creationId xmlns:a16="http://schemas.microsoft.com/office/drawing/2014/main" xmlns="" id="{49E4FA92-E07B-A108-7F59-4AB5397E43E7}"/>
+                <a16:creationId xmlns="" xmlns:a16="http://schemas.microsoft.com/office/drawing/2014/main" id="{49E4FA92-E07B-A108-7F59-4AB5397E43E7}"/>
               </a:ext>
             </a:extLst>
           </p:cNvPr>
@@ -1868,7 +1868,7 @@
           <p:cNvPr id="5" name="Date Placeholder 4">
             <a:extLst>
               <a:ext uri="{FF2B5EF4-FFF2-40B4-BE49-F238E27FC236}">
-                <a16:creationId xmlns:a16="http://schemas.microsoft.com/office/drawing/2014/main" xmlns="" id="{A900BF63-04E3-3A22-C559-B5FA84C2DA3D}"/>
+                <a16:creationId xmlns="" xmlns:a16="http://schemas.microsoft.com/office/drawing/2014/main" id="{A900BF63-04E3-3A22-C559-B5FA84C2DA3D}"/>
               </a:ext>
             </a:extLst>
           </p:cNvPr>
@@ -1887,7 +1887,7 @@
             <a:fld id="{3B7B015F-E5DA-4DE8-9A91-FE7A58C55F36}" type="datetimeFigureOut">
               <a:rPr lang="en-IN" smtClean="0"/>
               <a:pPr/>
-              <a:t>19-04-2025</a:t>
+              <a:t>20-04-2025</a:t>
             </a:fld>
             <a:endParaRPr lang="en-IN"/>
           </a:p>
@@ -1898,7 +1898,7 @@
           <p:cNvPr id="6" name="Footer Placeholder 5">
             <a:extLst>
               <a:ext uri="{FF2B5EF4-FFF2-40B4-BE49-F238E27FC236}">
-                <a16:creationId xmlns:a16="http://schemas.microsoft.com/office/drawing/2014/main" xmlns="" id="{78066AB0-03D3-8521-D0F4-BDD7727F8A3F}"/>
+                <a16:creationId xmlns="" xmlns:a16="http://schemas.microsoft.com/office/drawing/2014/main" id="{78066AB0-03D3-8521-D0F4-BDD7727F8A3F}"/>
               </a:ext>
             </a:extLst>
           </p:cNvPr>
@@ -1923,7 +1923,7 @@
           <p:cNvPr id="7" name="Slide Number Placeholder 6">
             <a:extLst>
               <a:ext uri="{FF2B5EF4-FFF2-40B4-BE49-F238E27FC236}">
-                <a16:creationId xmlns:a16="http://schemas.microsoft.com/office/drawing/2014/main" xmlns="" id="{4B2DEC49-A784-944C-DD58-13F0B8F05920}"/>
+                <a16:creationId xmlns="" xmlns:a16="http://schemas.microsoft.com/office/drawing/2014/main" id="{4B2DEC49-A784-944C-DD58-13F0B8F05920}"/>
               </a:ext>
             </a:extLst>
           </p:cNvPr>
@@ -1983,7 +1983,7 @@
           <p:cNvPr id="2" name="Title 1">
             <a:extLst>
               <a:ext uri="{FF2B5EF4-FFF2-40B4-BE49-F238E27FC236}">
-                <a16:creationId xmlns:a16="http://schemas.microsoft.com/office/drawing/2014/main" xmlns="" id="{E9E6CCCB-66BF-5A6D-EBA0-754D9A954439}"/>
+                <a16:creationId xmlns="" xmlns:a16="http://schemas.microsoft.com/office/drawing/2014/main" id="{E9E6CCCB-66BF-5A6D-EBA0-754D9A954439}"/>
               </a:ext>
             </a:extLst>
           </p:cNvPr>
@@ -2017,7 +2017,7 @@
           <p:cNvPr id="3" name="Text Placeholder 2">
             <a:extLst>
               <a:ext uri="{FF2B5EF4-FFF2-40B4-BE49-F238E27FC236}">
-                <a16:creationId xmlns:a16="http://schemas.microsoft.com/office/drawing/2014/main" xmlns="" id="{21D91ADF-F2BD-466E-0EB4-3E0CABAB53A7}"/>
+                <a16:creationId xmlns="" xmlns:a16="http://schemas.microsoft.com/office/drawing/2014/main" id="{21D91ADF-F2BD-466E-0EB4-3E0CABAB53A7}"/>
               </a:ext>
             </a:extLst>
           </p:cNvPr>
@@ -2088,7 +2088,7 @@
           <p:cNvPr id="4" name="Content Placeholder 3">
             <a:extLst>
               <a:ext uri="{FF2B5EF4-FFF2-40B4-BE49-F238E27FC236}">
-                <a16:creationId xmlns:a16="http://schemas.microsoft.com/office/drawing/2014/main" xmlns="" id="{2FC553F7-4F3C-FC2F-B957-96204C3F618C}"/>
+                <a16:creationId xmlns="" xmlns:a16="http://schemas.microsoft.com/office/drawing/2014/main" id="{2FC553F7-4F3C-FC2F-B957-96204C3F618C}"/>
               </a:ext>
             </a:extLst>
           </p:cNvPr>
@@ -2151,7 +2151,7 @@
           <p:cNvPr id="5" name="Text Placeholder 4">
             <a:extLst>
               <a:ext uri="{FF2B5EF4-FFF2-40B4-BE49-F238E27FC236}">
-                <a16:creationId xmlns:a16="http://schemas.microsoft.com/office/drawing/2014/main" xmlns="" id="{D39397CC-006B-0C10-249E-FA61B99D6BD2}"/>
+                <a16:creationId xmlns="" xmlns:a16="http://schemas.microsoft.com/office/drawing/2014/main" id="{D39397CC-006B-0C10-249E-FA61B99D6BD2}"/>
               </a:ext>
             </a:extLst>
           </p:cNvPr>
@@ -2222,7 +2222,7 @@
           <p:cNvPr id="6" name="Content Placeholder 5">
             <a:extLst>
               <a:ext uri="{FF2B5EF4-FFF2-40B4-BE49-F238E27FC236}">
-                <a16:creationId xmlns:a16="http://schemas.microsoft.com/office/drawing/2014/main" xmlns="" id="{A75FB962-18D0-3268-E739-3B1EF2170882}"/>
+                <a16:creationId xmlns="" xmlns:a16="http://schemas.microsoft.com/office/drawing/2014/main" id="{A75FB962-18D0-3268-E739-3B1EF2170882}"/>
               </a:ext>
             </a:extLst>
           </p:cNvPr>
@@ -2285,7 +2285,7 @@
           <p:cNvPr id="7" name="Date Placeholder 6">
             <a:extLst>
               <a:ext uri="{FF2B5EF4-FFF2-40B4-BE49-F238E27FC236}">
-                <a16:creationId xmlns:a16="http://schemas.microsoft.com/office/drawing/2014/main" xmlns="" id="{14D41613-23C7-8C90-88FD-D1184F2009E7}"/>
+                <a16:creationId xmlns="" xmlns:a16="http://schemas.microsoft.com/office/drawing/2014/main" id="{14D41613-23C7-8C90-88FD-D1184F2009E7}"/>
               </a:ext>
             </a:extLst>
           </p:cNvPr>
@@ -2304,7 +2304,7 @@
             <a:fld id="{3B7B015F-E5DA-4DE8-9A91-FE7A58C55F36}" type="datetimeFigureOut">
               <a:rPr lang="en-IN" smtClean="0"/>
               <a:pPr/>
-              <a:t>19-04-2025</a:t>
+              <a:t>20-04-2025</a:t>
             </a:fld>
             <a:endParaRPr lang="en-IN"/>
           </a:p>
@@ -2315,7 +2315,7 @@
           <p:cNvPr id="8" name="Footer Placeholder 7">
             <a:extLst>
               <a:ext uri="{FF2B5EF4-FFF2-40B4-BE49-F238E27FC236}">
-                <a16:creationId xmlns:a16="http://schemas.microsoft.com/office/drawing/2014/main" xmlns="" id="{7937FE21-A03F-5B6F-67F2-480DD3895D93}"/>
+                <a16:creationId xmlns="" xmlns:a16="http://schemas.microsoft.com/office/drawing/2014/main" id="{7937FE21-A03F-5B6F-67F2-480DD3895D93}"/>
               </a:ext>
             </a:extLst>
           </p:cNvPr>
@@ -2340,7 +2340,7 @@
           <p:cNvPr id="9" name="Slide Number Placeholder 8">
             <a:extLst>
               <a:ext uri="{FF2B5EF4-FFF2-40B4-BE49-F238E27FC236}">
-                <a16:creationId xmlns:a16="http://schemas.microsoft.com/office/drawing/2014/main" xmlns="" id="{DC666733-037B-42A0-253D-3F3ED3C767AC}"/>
+                <a16:creationId xmlns="" xmlns:a16="http://schemas.microsoft.com/office/drawing/2014/main" id="{DC666733-037B-42A0-253D-3F3ED3C767AC}"/>
               </a:ext>
             </a:extLst>
           </p:cNvPr>
@@ -2400,7 +2400,7 @@
           <p:cNvPr id="2" name="Title 1">
             <a:extLst>
               <a:ext uri="{FF2B5EF4-FFF2-40B4-BE49-F238E27FC236}">
-                <a16:creationId xmlns:a16="http://schemas.microsoft.com/office/drawing/2014/main" xmlns="" id="{6B6AC80A-3C1F-5FB7-4DFE-E06BCF8EC291}"/>
+                <a16:creationId xmlns="" xmlns:a16="http://schemas.microsoft.com/office/drawing/2014/main" id="{6B6AC80A-3C1F-5FB7-4DFE-E06BCF8EC291}"/>
               </a:ext>
             </a:extLst>
           </p:cNvPr>
@@ -2429,7 +2429,7 @@
           <p:cNvPr id="3" name="Date Placeholder 2">
             <a:extLst>
               <a:ext uri="{FF2B5EF4-FFF2-40B4-BE49-F238E27FC236}">
-                <a16:creationId xmlns:a16="http://schemas.microsoft.com/office/drawing/2014/main" xmlns="" id="{A7648182-5FF8-BFFA-CB4B-FA59C9F3FEF4}"/>
+                <a16:creationId xmlns="" xmlns:a16="http://schemas.microsoft.com/office/drawing/2014/main" id="{A7648182-5FF8-BFFA-CB4B-FA59C9F3FEF4}"/>
               </a:ext>
             </a:extLst>
           </p:cNvPr>
@@ -2448,7 +2448,7 @@
             <a:fld id="{3B7B015F-E5DA-4DE8-9A91-FE7A58C55F36}" type="datetimeFigureOut">
               <a:rPr lang="en-IN" smtClean="0"/>
               <a:pPr/>
-              <a:t>19-04-2025</a:t>
+              <a:t>20-04-2025</a:t>
             </a:fld>
             <a:endParaRPr lang="en-IN"/>
           </a:p>
@@ -2459,7 +2459,7 @@
           <p:cNvPr id="4" name="Footer Placeholder 3">
             <a:extLst>
               <a:ext uri="{FF2B5EF4-FFF2-40B4-BE49-F238E27FC236}">
-                <a16:creationId xmlns:a16="http://schemas.microsoft.com/office/drawing/2014/main" xmlns="" id="{D7EFA424-3E5F-FA52-765E-F6C097F89B99}"/>
+                <a16:creationId xmlns="" xmlns:a16="http://schemas.microsoft.com/office/drawing/2014/main" id="{D7EFA424-3E5F-FA52-765E-F6C097F89B99}"/>
               </a:ext>
             </a:extLst>
           </p:cNvPr>
@@ -2484,7 +2484,7 @@
           <p:cNvPr id="5" name="Slide Number Placeholder 4">
             <a:extLst>
               <a:ext uri="{FF2B5EF4-FFF2-40B4-BE49-F238E27FC236}">
-                <a16:creationId xmlns:a16="http://schemas.microsoft.com/office/drawing/2014/main" xmlns="" id="{C4E05270-BEB5-9BF2-C3DF-AD73B3D2F544}"/>
+                <a16:creationId xmlns="" xmlns:a16="http://schemas.microsoft.com/office/drawing/2014/main" id="{C4E05270-BEB5-9BF2-C3DF-AD73B3D2F544}"/>
               </a:ext>
             </a:extLst>
           </p:cNvPr>
@@ -2544,7 +2544,7 @@
           <p:cNvPr id="2" name="Date Placeholder 1">
             <a:extLst>
               <a:ext uri="{FF2B5EF4-FFF2-40B4-BE49-F238E27FC236}">
-                <a16:creationId xmlns:a16="http://schemas.microsoft.com/office/drawing/2014/main" xmlns="" id="{8347A4F5-1835-E82B-02AB-52C4534E456F}"/>
+                <a16:creationId xmlns="" xmlns:a16="http://schemas.microsoft.com/office/drawing/2014/main" id="{8347A4F5-1835-E82B-02AB-52C4534E456F}"/>
               </a:ext>
             </a:extLst>
           </p:cNvPr>
@@ -2563,7 +2563,7 @@
             <a:fld id="{3B7B015F-E5DA-4DE8-9A91-FE7A58C55F36}" type="datetimeFigureOut">
               <a:rPr lang="en-IN" smtClean="0"/>
               <a:pPr/>
-              <a:t>19-04-2025</a:t>
+              <a:t>20-04-2025</a:t>
             </a:fld>
             <a:endParaRPr lang="en-IN"/>
           </a:p>
@@ -2574,7 +2574,7 @@
           <p:cNvPr id="3" name="Footer Placeholder 2">
             <a:extLst>
               <a:ext uri="{FF2B5EF4-FFF2-40B4-BE49-F238E27FC236}">
-                <a16:creationId xmlns:a16="http://schemas.microsoft.com/office/drawing/2014/main" xmlns="" id="{1F546E83-6B1D-E70D-94C8-C75E0782C64A}"/>
+                <a16:creationId xmlns="" xmlns:a16="http://schemas.microsoft.com/office/drawing/2014/main" id="{1F546E83-6B1D-E70D-94C8-C75E0782C64A}"/>
               </a:ext>
             </a:extLst>
           </p:cNvPr>
@@ -2599,7 +2599,7 @@
           <p:cNvPr id="4" name="Slide Number Placeholder 3">
             <a:extLst>
               <a:ext uri="{FF2B5EF4-FFF2-40B4-BE49-F238E27FC236}">
-                <a16:creationId xmlns:a16="http://schemas.microsoft.com/office/drawing/2014/main" xmlns="" id="{5D9F9236-028B-1637-472C-9D0F5D8CC435}"/>
+                <a16:creationId xmlns="" xmlns:a16="http://schemas.microsoft.com/office/drawing/2014/main" id="{5D9F9236-028B-1637-472C-9D0F5D8CC435}"/>
               </a:ext>
             </a:extLst>
           </p:cNvPr>
@@ -2659,7 +2659,7 @@
           <p:cNvPr id="2" name="Title 1">
             <a:extLst>
               <a:ext uri="{FF2B5EF4-FFF2-40B4-BE49-F238E27FC236}">
-                <a16:creationId xmlns:a16="http://schemas.microsoft.com/office/drawing/2014/main" xmlns="" id="{E76576C4-DB27-6E79-8199-B0C3CF9B9ED2}"/>
+                <a16:creationId xmlns="" xmlns:a16="http://schemas.microsoft.com/office/drawing/2014/main" id="{E76576C4-DB27-6E79-8199-B0C3CF9B9ED2}"/>
               </a:ext>
             </a:extLst>
           </p:cNvPr>
@@ -2697,7 +2697,7 @@
           <p:cNvPr id="3" name="Content Placeholder 2">
             <a:extLst>
               <a:ext uri="{FF2B5EF4-FFF2-40B4-BE49-F238E27FC236}">
-                <a16:creationId xmlns:a16="http://schemas.microsoft.com/office/drawing/2014/main" xmlns="" id="{47747D96-F1A9-43EA-A5FE-E576A9198E65}"/>
+                <a16:creationId xmlns="" xmlns:a16="http://schemas.microsoft.com/office/drawing/2014/main" id="{47747D96-F1A9-43EA-A5FE-E576A9198E65}"/>
               </a:ext>
             </a:extLst>
           </p:cNvPr>
@@ -2788,7 +2788,7 @@
           <p:cNvPr id="4" name="Text Placeholder 3">
             <a:extLst>
               <a:ext uri="{FF2B5EF4-FFF2-40B4-BE49-F238E27FC236}">
-                <a16:creationId xmlns:a16="http://schemas.microsoft.com/office/drawing/2014/main" xmlns="" id="{8674C672-9E7E-1BE9-4C08-FC4428FEEE48}"/>
+                <a16:creationId xmlns="" xmlns:a16="http://schemas.microsoft.com/office/drawing/2014/main" id="{8674C672-9E7E-1BE9-4C08-FC4428FEEE48}"/>
               </a:ext>
             </a:extLst>
           </p:cNvPr>
@@ -2859,7 +2859,7 @@
           <p:cNvPr id="5" name="Date Placeholder 4">
             <a:extLst>
               <a:ext uri="{FF2B5EF4-FFF2-40B4-BE49-F238E27FC236}">
-                <a16:creationId xmlns:a16="http://schemas.microsoft.com/office/drawing/2014/main" xmlns="" id="{13B92EA4-F5BD-D8C2-66D1-C79B14C4DDC6}"/>
+                <a16:creationId xmlns="" xmlns:a16="http://schemas.microsoft.com/office/drawing/2014/main" id="{13B92EA4-F5BD-D8C2-66D1-C79B14C4DDC6}"/>
               </a:ext>
             </a:extLst>
           </p:cNvPr>
@@ -2878,7 +2878,7 @@
             <a:fld id="{3B7B015F-E5DA-4DE8-9A91-FE7A58C55F36}" type="datetimeFigureOut">
               <a:rPr lang="en-IN" smtClean="0"/>
               <a:pPr/>
-              <a:t>19-04-2025</a:t>
+              <a:t>20-04-2025</a:t>
             </a:fld>
             <a:endParaRPr lang="en-IN"/>
           </a:p>
@@ -2889,7 +2889,7 @@
           <p:cNvPr id="6" name="Footer Placeholder 5">
             <a:extLst>
               <a:ext uri="{FF2B5EF4-FFF2-40B4-BE49-F238E27FC236}">
-                <a16:creationId xmlns:a16="http://schemas.microsoft.com/office/drawing/2014/main" xmlns="" id="{353B649E-3CE1-5EA2-35A0-A8B6EE8288BF}"/>
+                <a16:creationId xmlns="" xmlns:a16="http://schemas.microsoft.com/office/drawing/2014/main" id="{353B649E-3CE1-5EA2-35A0-A8B6EE8288BF}"/>
               </a:ext>
             </a:extLst>
           </p:cNvPr>
@@ -2914,7 +2914,7 @@
           <p:cNvPr id="7" name="Slide Number Placeholder 6">
             <a:extLst>
               <a:ext uri="{FF2B5EF4-FFF2-40B4-BE49-F238E27FC236}">
-                <a16:creationId xmlns:a16="http://schemas.microsoft.com/office/drawing/2014/main" xmlns="" id="{3329D078-0F73-44D2-5A83-B722C307A867}"/>
+                <a16:creationId xmlns="" xmlns:a16="http://schemas.microsoft.com/office/drawing/2014/main" id="{3329D078-0F73-44D2-5A83-B722C307A867}"/>
               </a:ext>
             </a:extLst>
           </p:cNvPr>
@@ -2974,7 +2974,7 @@
           <p:cNvPr id="2" name="Title 1">
             <a:extLst>
               <a:ext uri="{FF2B5EF4-FFF2-40B4-BE49-F238E27FC236}">
-                <a16:creationId xmlns:a16="http://schemas.microsoft.com/office/drawing/2014/main" xmlns="" id="{81EA2CE8-1286-74B9-9CFB-F0A5109F287A}"/>
+                <a16:creationId xmlns="" xmlns:a16="http://schemas.microsoft.com/office/drawing/2014/main" id="{81EA2CE8-1286-74B9-9CFB-F0A5109F287A}"/>
               </a:ext>
             </a:extLst>
           </p:cNvPr>
@@ -3012,7 +3012,7 @@
           <p:cNvPr id="3" name="Picture Placeholder 2">
             <a:extLst>
               <a:ext uri="{FF2B5EF4-FFF2-40B4-BE49-F238E27FC236}">
-                <a16:creationId xmlns:a16="http://schemas.microsoft.com/office/drawing/2014/main" xmlns="" id="{FE572AD6-2C68-5276-50DA-0BB1B7099235}"/>
+                <a16:creationId xmlns="" xmlns:a16="http://schemas.microsoft.com/office/drawing/2014/main" id="{FE572AD6-2C68-5276-50DA-0BB1B7099235}"/>
               </a:ext>
             </a:extLst>
           </p:cNvPr>
@@ -3079,7 +3079,7 @@
           <p:cNvPr id="4" name="Text Placeholder 3">
             <a:extLst>
               <a:ext uri="{FF2B5EF4-FFF2-40B4-BE49-F238E27FC236}">
-                <a16:creationId xmlns:a16="http://schemas.microsoft.com/office/drawing/2014/main" xmlns="" id="{991FB775-0FEE-1201-CA5C-C31EB2BBFA2A}"/>
+                <a16:creationId xmlns="" xmlns:a16="http://schemas.microsoft.com/office/drawing/2014/main" id="{991FB775-0FEE-1201-CA5C-C31EB2BBFA2A}"/>
               </a:ext>
             </a:extLst>
           </p:cNvPr>
@@ -3150,7 +3150,7 @@
           <p:cNvPr id="5" name="Date Placeholder 4">
             <a:extLst>
               <a:ext uri="{FF2B5EF4-FFF2-40B4-BE49-F238E27FC236}">
-                <a16:creationId xmlns:a16="http://schemas.microsoft.com/office/drawing/2014/main" xmlns="" id="{F1870CCB-3715-988C-4FED-8892C86B1871}"/>
+                <a16:creationId xmlns="" xmlns:a16="http://schemas.microsoft.com/office/drawing/2014/main" id="{F1870CCB-3715-988C-4FED-8892C86B1871}"/>
               </a:ext>
             </a:extLst>
           </p:cNvPr>
@@ -3169,7 +3169,7 @@
             <a:fld id="{3B7B015F-E5DA-4DE8-9A91-FE7A58C55F36}" type="datetimeFigureOut">
               <a:rPr lang="en-IN" smtClean="0"/>
               <a:pPr/>
-              <a:t>19-04-2025</a:t>
+              <a:t>20-04-2025</a:t>
             </a:fld>
             <a:endParaRPr lang="en-IN"/>
           </a:p>
@@ -3180,7 +3180,7 @@
           <p:cNvPr id="6" name="Footer Placeholder 5">
             <a:extLst>
               <a:ext uri="{FF2B5EF4-FFF2-40B4-BE49-F238E27FC236}">
-                <a16:creationId xmlns:a16="http://schemas.microsoft.com/office/drawing/2014/main" xmlns="" id="{F249BE91-C791-B262-CFEC-5ADA67419B07}"/>
+                <a16:creationId xmlns="" xmlns:a16="http://schemas.microsoft.com/office/drawing/2014/main" id="{F249BE91-C791-B262-CFEC-5ADA67419B07}"/>
               </a:ext>
             </a:extLst>
           </p:cNvPr>
@@ -3205,7 +3205,7 @@
           <p:cNvPr id="7" name="Slide Number Placeholder 6">
             <a:extLst>
               <a:ext uri="{FF2B5EF4-FFF2-40B4-BE49-F238E27FC236}">
-                <a16:creationId xmlns:a16="http://schemas.microsoft.com/office/drawing/2014/main" xmlns="" id="{A10E2F20-2D8D-7DC3-716D-DA2C27E54DC4}"/>
+                <a16:creationId xmlns="" xmlns:a16="http://schemas.microsoft.com/office/drawing/2014/main" id="{A10E2F20-2D8D-7DC3-716D-DA2C27E54DC4}"/>
               </a:ext>
             </a:extLst>
           </p:cNvPr>
@@ -3270,7 +3270,7 @@
           <p:cNvPr id="2" name="Title Placeholder 1">
             <a:extLst>
               <a:ext uri="{FF2B5EF4-FFF2-40B4-BE49-F238E27FC236}">
-                <a16:creationId xmlns:a16="http://schemas.microsoft.com/office/drawing/2014/main" xmlns="" id="{298EF120-F4B3-CC34-6E39-7F6A0912C50D}"/>
+                <a16:creationId xmlns="" xmlns:a16="http://schemas.microsoft.com/office/drawing/2014/main" id="{298EF120-F4B3-CC34-6E39-7F6A0912C50D}"/>
               </a:ext>
             </a:extLst>
           </p:cNvPr>
@@ -3309,7 +3309,7 @@
           <p:cNvPr id="3" name="Text Placeholder 2">
             <a:extLst>
               <a:ext uri="{FF2B5EF4-FFF2-40B4-BE49-F238E27FC236}">
-                <a16:creationId xmlns:a16="http://schemas.microsoft.com/office/drawing/2014/main" xmlns="" id="{E5793FA3-E6CF-B9B1-C47C-72CCBC1FD194}"/>
+                <a16:creationId xmlns="" xmlns:a16="http://schemas.microsoft.com/office/drawing/2014/main" id="{E5793FA3-E6CF-B9B1-C47C-72CCBC1FD194}"/>
               </a:ext>
             </a:extLst>
           </p:cNvPr>
@@ -3377,7 +3377,7 @@
           <p:cNvPr id="4" name="Date Placeholder 3">
             <a:extLst>
               <a:ext uri="{FF2B5EF4-FFF2-40B4-BE49-F238E27FC236}">
-                <a16:creationId xmlns:a16="http://schemas.microsoft.com/office/drawing/2014/main" xmlns="" id="{350911C7-F854-6804-631E-7B943FD249A5}"/>
+                <a16:creationId xmlns="" xmlns:a16="http://schemas.microsoft.com/office/drawing/2014/main" id="{350911C7-F854-6804-631E-7B943FD249A5}"/>
               </a:ext>
             </a:extLst>
           </p:cNvPr>
@@ -3414,7 +3414,7 @@
             <a:fld id="{3B7B015F-E5DA-4DE8-9A91-FE7A58C55F36}" type="datetimeFigureOut">
               <a:rPr lang="en-IN" smtClean="0"/>
               <a:pPr/>
-              <a:t>19-04-2025</a:t>
+              <a:t>20-04-2025</a:t>
             </a:fld>
             <a:endParaRPr lang="en-IN"/>
           </a:p>
@@ -3425,7 +3425,7 @@
           <p:cNvPr id="5" name="Footer Placeholder 4">
             <a:extLst>
               <a:ext uri="{FF2B5EF4-FFF2-40B4-BE49-F238E27FC236}">
-                <a16:creationId xmlns:a16="http://schemas.microsoft.com/office/drawing/2014/main" xmlns="" id="{61E1F39A-0BEF-D392-6DA0-FAF8E59C8051}"/>
+                <a16:creationId xmlns="" xmlns:a16="http://schemas.microsoft.com/office/drawing/2014/main" id="{61E1F39A-0BEF-D392-6DA0-FAF8E59C8051}"/>
               </a:ext>
             </a:extLst>
           </p:cNvPr>
@@ -3468,7 +3468,7 @@
           <p:cNvPr id="6" name="Slide Number Placeholder 5">
             <a:extLst>
               <a:ext uri="{FF2B5EF4-FFF2-40B4-BE49-F238E27FC236}">
-                <a16:creationId xmlns:a16="http://schemas.microsoft.com/office/drawing/2014/main" xmlns="" id="{AEC4B258-341E-246B-03F7-258976F47A91}"/>
+                <a16:creationId xmlns="" xmlns:a16="http://schemas.microsoft.com/office/drawing/2014/main" id="{AEC4B258-341E-246B-03F7-258976F47A91}"/>
               </a:ext>
             </a:extLst>
           </p:cNvPr>
@@ -3837,7 +3837,7 @@
           <p:cNvPr id="2" name="Title 1">
             <a:extLst>
               <a:ext uri="{FF2B5EF4-FFF2-40B4-BE49-F238E27FC236}">
-                <a16:creationId xmlns:a16="http://schemas.microsoft.com/office/drawing/2014/main" xmlns="" id="{0018CEB0-B284-B9F0-516E-C73D1057C841}"/>
+                <a16:creationId xmlns="" xmlns:a16="http://schemas.microsoft.com/office/drawing/2014/main" id="{0018CEB0-B284-B9F0-516E-C73D1057C841}"/>
               </a:ext>
             </a:extLst>
           </p:cNvPr>
@@ -3873,7 +3873,7 @@
           <p:cNvPr id="3" name="Subtitle 2">
             <a:extLst>
               <a:ext uri="{FF2B5EF4-FFF2-40B4-BE49-F238E27FC236}">
-                <a16:creationId xmlns:a16="http://schemas.microsoft.com/office/drawing/2014/main" xmlns="" id="{0E3A7D68-86A5-BCE2-4E76-6007626FBC31}"/>
+                <a16:creationId xmlns="" xmlns:a16="http://schemas.microsoft.com/office/drawing/2014/main" id="{0E3A7D68-86A5-BCE2-4E76-6007626FBC31}"/>
               </a:ext>
             </a:extLst>
           </p:cNvPr>
@@ -4000,8 +4000,22 @@
               <a:t>User</a:t>
             </a:r>
             <a:r>
+              <a:rPr lang="en-US" sz="2400" b="1" dirty="0" smtClean="0"/>
+              <a:t>:</a:t>
+            </a:r>
+          </a:p>
+          <a:p>
+            <a:r>
               <a:rPr lang="en-US" sz="2400" b="1" dirty="0"/>
-              <a:t>: ( UserID,Username,Password,Email,MobileNo,Gender,Role,image</a:t>
+              <a:t> </a:t>
+            </a:r>
+            <a:r>
+              <a:rPr lang="en-US" sz="2400" b="1" dirty="0" smtClean="0"/>
+              <a:t>   </a:t>
+            </a:r>
+            <a:r>
+              <a:rPr lang="en-US" sz="2400" b="1" dirty="0" smtClean="0"/>
+              <a:t> (UserID,Username,Password,Email,MobileNo,Gender,Role,image</a:t>
             </a:r>
             <a:r>
               <a:rPr lang="en-US" sz="2400" b="1" dirty="0" smtClean="0"/>
@@ -4264,7 +4278,11 @@
             </a:r>
             <a:r>
               <a:rPr lang="en-US" sz="2400" b="1" dirty="0"/>
-              <a:t>SystemThis system allows bike showroom staff to manage </a:t>
+              <a:t>SystemThis system </a:t>
+            </a:r>
+            <a:r>
+              <a:rPr lang="en-US" sz="2400" b="1" dirty="0" smtClean="0"/>
+              <a:t>allows manage </a:t>
             </a:r>
             <a:r>
               <a:rPr lang="en-US" sz="2400" b="1" dirty="0" smtClean="0"/>
@@ -4274,11 +4292,19 @@
           <a:p>
             <a:r>
               <a:rPr lang="en-US" sz="2400" b="1" dirty="0" smtClean="0"/>
-              <a:t>customers</a:t>
+              <a:t>User , </a:t>
             </a:r>
             <a:r>
               <a:rPr lang="en-US" sz="2400" b="1" dirty="0"/>
-              <a:t>, sales, and service records through a centralized digital platform.It provides real-time updates on inventory, customer interactions, and service requests.The system improves efficiency by automating tasks like billing, bike registration, and scheduling service appointments, helping streamline overall operations</a:t>
+              <a:t>sales, and service records through a centralized digital platform.It provides real-time updates on inventory, </a:t>
+            </a:r>
+            <a:r>
+              <a:rPr lang="en-US" sz="2400" b="1" dirty="0" smtClean="0"/>
+              <a:t>User interactions</a:t>
+            </a:r>
+            <a:r>
+              <a:rPr lang="en-US" sz="2400" b="1" dirty="0"/>
+              <a:t>, and service requests.The system improves efficiency by automating tasks like billing, bike registration, and scheduling service appointments, helping streamline overall operations</a:t>
             </a:r>
             <a:r>
               <a:rPr lang="en-US" sz="2400" b="1" dirty="0" smtClean="0"/>
@@ -4295,7 +4321,31 @@
             </a:r>
             <a:r>
               <a:rPr lang="en-US" sz="2400" b="1" dirty="0"/>
-              <a:t>for a New SystemExisting manual or semi-automated systems do not provide real-time data or centralized control, leading to operational inefficiencies.There is a growing need for a digital solution that can manage bike inventory, monitor staff roles, handle customer data, and generate performance reports.Automating the system ensures faster processing, reduces human error, and enhances customer satisfaction.</a:t>
+              <a:t>for a New SystemExisting manual or semi-automated systems do not provide real-time data or centralized control, leading to operational inefficiencies.There is a growing need for a digital solution that can manage bike </a:t>
+            </a:r>
+            <a:r>
+              <a:rPr lang="en-US" sz="2400" b="1" dirty="0" smtClean="0"/>
+              <a:t>inventory, </a:t>
+            </a:r>
+            <a:r>
+              <a:rPr lang="en-US" sz="2400" b="1" dirty="0"/>
+              <a:t>handle </a:t>
+            </a:r>
+            <a:r>
+              <a:rPr lang="en-US" sz="2400" b="1" dirty="0" smtClean="0"/>
+              <a:t>User data</a:t>
+            </a:r>
+            <a:r>
+              <a:rPr lang="en-US" sz="2400" b="1" dirty="0"/>
+              <a:t>, and generate performance reports.Automating the system ensures faster processing, reduces human error, and enhances </a:t>
+            </a:r>
+            <a:r>
+              <a:rPr lang="en-US" sz="2400" b="1" dirty="0" smtClean="0"/>
+              <a:t>User satisfaction</a:t>
+            </a:r>
+            <a:r>
+              <a:rPr lang="en-US" sz="2400" b="1" dirty="0"/>
+              <a:t>.</a:t>
             </a:r>
           </a:p>
         </p:txBody>
@@ -4486,7 +4536,7 @@
           <p:cNvPr id="2" name="TextBox 1">
             <a:extLst>
               <a:ext uri="{FF2B5EF4-FFF2-40B4-BE49-F238E27FC236}">
-                <a16:creationId xmlns="" xmlns:a16="http://schemas.microsoft.com/office/drawing/2014/main" id="{973CA997-7E8A-8DA4-37F8-2C8D87ED8777}"/>
+                <a16:creationId xmlns:a16="http://schemas.microsoft.com/office/drawing/2014/main" xmlns="" id="{973CA997-7E8A-8DA4-37F8-2C8D87ED8777}"/>
               </a:ext>
             </a:extLst>
           </p:cNvPr>
@@ -4521,7 +4571,7 @@
           <p:cNvPr id="3" name="Rectangle: Rounded Corners 2">
             <a:extLst>
               <a:ext uri="{FF2B5EF4-FFF2-40B4-BE49-F238E27FC236}">
-                <a16:creationId xmlns="" xmlns:a16="http://schemas.microsoft.com/office/drawing/2014/main" id="{5CB067AF-C722-331F-A298-83DC145C6D2B}"/>
+                <a16:creationId xmlns:a16="http://schemas.microsoft.com/office/drawing/2014/main" xmlns="" id="{5CB067AF-C722-331F-A298-83DC145C6D2B}"/>
               </a:ext>
             </a:extLst>
           </p:cNvPr>
@@ -4568,7 +4618,7 @@
           <p:cNvPr id="4" name="Oval 3">
             <a:extLst>
               <a:ext uri="{FF2B5EF4-FFF2-40B4-BE49-F238E27FC236}">
-                <a16:creationId xmlns="" xmlns:a16="http://schemas.microsoft.com/office/drawing/2014/main" id="{F7D73FCE-8C5A-A0E4-A19B-D9BE149EA930}"/>
+                <a16:creationId xmlns:a16="http://schemas.microsoft.com/office/drawing/2014/main" xmlns="" id="{F7D73FCE-8C5A-A0E4-A19B-D9BE149EA930}"/>
               </a:ext>
             </a:extLst>
           </p:cNvPr>
@@ -4614,7 +4664,7 @@
           <p:cNvPr id="7" name="Flowchart: Decision 6">
             <a:extLst>
               <a:ext uri="{FF2B5EF4-FFF2-40B4-BE49-F238E27FC236}">
-                <a16:creationId xmlns="" xmlns:a16="http://schemas.microsoft.com/office/drawing/2014/main" id="{4C45E14F-5D1F-8774-8E6E-06F8C37D210D}"/>
+                <a16:creationId xmlns:a16="http://schemas.microsoft.com/office/drawing/2014/main" xmlns="" id="{4C45E14F-5D1F-8774-8E6E-06F8C37D210D}"/>
               </a:ext>
             </a:extLst>
           </p:cNvPr>
@@ -4661,7 +4711,7 @@
           <p:cNvPr id="8" name="Rectangle: Rounded Corners 7">
             <a:extLst>
               <a:ext uri="{FF2B5EF4-FFF2-40B4-BE49-F238E27FC236}">
-                <a16:creationId xmlns="" xmlns:a16="http://schemas.microsoft.com/office/drawing/2014/main" id="{4480EB45-8FF4-49FA-0A13-2712436982FF}"/>
+                <a16:creationId xmlns:a16="http://schemas.microsoft.com/office/drawing/2014/main" xmlns="" id="{4480EB45-8FF4-49FA-0A13-2712436982FF}"/>
               </a:ext>
             </a:extLst>
           </p:cNvPr>
@@ -4709,7 +4759,7 @@
           <p:cNvPr id="9" name="Rectangle: Rounded Corners 8">
             <a:extLst>
               <a:ext uri="{FF2B5EF4-FFF2-40B4-BE49-F238E27FC236}">
-                <a16:creationId xmlns="" xmlns:a16="http://schemas.microsoft.com/office/drawing/2014/main" id="{3C94A269-C779-D71A-4E5C-1E63EC407F6D}"/>
+                <a16:creationId xmlns:a16="http://schemas.microsoft.com/office/drawing/2014/main" xmlns="" id="{3C94A269-C779-D71A-4E5C-1E63EC407F6D}"/>
               </a:ext>
             </a:extLst>
           </p:cNvPr>
@@ -4757,7 +4807,7 @@
           <p:cNvPr id="10" name="Rectangle: Rounded Corners 9">
             <a:extLst>
               <a:ext uri="{FF2B5EF4-FFF2-40B4-BE49-F238E27FC236}">
-                <a16:creationId xmlns="" xmlns:a16="http://schemas.microsoft.com/office/drawing/2014/main" id="{856A776E-2064-C80F-DD05-C8B83AC5C193}"/>
+                <a16:creationId xmlns:a16="http://schemas.microsoft.com/office/drawing/2014/main" xmlns="" id="{856A776E-2064-C80F-DD05-C8B83AC5C193}"/>
               </a:ext>
             </a:extLst>
           </p:cNvPr>
@@ -4804,7 +4854,7 @@
           <p:cNvPr id="11" name="Rectangle: Rounded Corners 10">
             <a:extLst>
               <a:ext uri="{FF2B5EF4-FFF2-40B4-BE49-F238E27FC236}">
-                <a16:creationId xmlns="" xmlns:a16="http://schemas.microsoft.com/office/drawing/2014/main" id="{C43F8A57-D21E-916F-BCFA-C2A4F90A9272}"/>
+                <a16:creationId xmlns:a16="http://schemas.microsoft.com/office/drawing/2014/main" xmlns="" id="{C43F8A57-D21E-916F-BCFA-C2A4F90A9272}"/>
               </a:ext>
             </a:extLst>
           </p:cNvPr>
@@ -4851,7 +4901,7 @@
           <p:cNvPr id="12" name="Rectangle: Rounded Corners 11">
             <a:extLst>
               <a:ext uri="{FF2B5EF4-FFF2-40B4-BE49-F238E27FC236}">
-                <a16:creationId xmlns="" xmlns:a16="http://schemas.microsoft.com/office/drawing/2014/main" id="{47E485F0-6357-1AA0-3826-1FF514B42A98}"/>
+                <a16:creationId xmlns:a16="http://schemas.microsoft.com/office/drawing/2014/main" xmlns="" id="{47E485F0-6357-1AA0-3826-1FF514B42A98}"/>
               </a:ext>
             </a:extLst>
           </p:cNvPr>
@@ -4898,7 +4948,7 @@
           <p:cNvPr id="13" name="Oval 12">
             <a:extLst>
               <a:ext uri="{FF2B5EF4-FFF2-40B4-BE49-F238E27FC236}">
-                <a16:creationId xmlns="" xmlns:a16="http://schemas.microsoft.com/office/drawing/2014/main" id="{0BEE9FC4-CA0B-45B8-907B-2B99BADB8135}"/>
+                <a16:creationId xmlns:a16="http://schemas.microsoft.com/office/drawing/2014/main" xmlns="" id="{0BEE9FC4-CA0B-45B8-907B-2B99BADB8135}"/>
               </a:ext>
             </a:extLst>
           </p:cNvPr>
@@ -4942,7 +4992,7 @@
           <p:cNvPr id="14" name="Oval 13">
             <a:extLst>
               <a:ext uri="{FF2B5EF4-FFF2-40B4-BE49-F238E27FC236}">
-                <a16:creationId xmlns="" xmlns:a16="http://schemas.microsoft.com/office/drawing/2014/main" id="{E2C40F03-19C6-65A6-3B7B-DAC74FB30970}"/>
+                <a16:creationId xmlns:a16="http://schemas.microsoft.com/office/drawing/2014/main" xmlns="" id="{E2C40F03-19C6-65A6-3B7B-DAC74FB30970}"/>
               </a:ext>
             </a:extLst>
           </p:cNvPr>
@@ -4988,7 +5038,7 @@
           <p:cNvPr id="16" name="Straight Arrow Connector 15">
             <a:extLst>
               <a:ext uri="{FF2B5EF4-FFF2-40B4-BE49-F238E27FC236}">
-                <a16:creationId xmlns="" xmlns:a16="http://schemas.microsoft.com/office/drawing/2014/main" id="{B0333273-0E63-2507-9975-1955F53B1E75}"/>
+                <a16:creationId xmlns:a16="http://schemas.microsoft.com/office/drawing/2014/main" xmlns="" id="{B0333273-0E63-2507-9975-1955F53B1E75}"/>
               </a:ext>
             </a:extLst>
           </p:cNvPr>
@@ -5035,7 +5085,7 @@
           <p:cNvPr id="18" name="Straight Arrow Connector 17">
             <a:extLst>
               <a:ext uri="{FF2B5EF4-FFF2-40B4-BE49-F238E27FC236}">
-                <a16:creationId xmlns="" xmlns:a16="http://schemas.microsoft.com/office/drawing/2014/main" id="{E8D93773-3A2B-6748-773B-E579437AAE8D}"/>
+                <a16:creationId xmlns:a16="http://schemas.microsoft.com/office/drawing/2014/main" xmlns="" id="{E8D93773-3A2B-6748-773B-E579437AAE8D}"/>
               </a:ext>
             </a:extLst>
           </p:cNvPr>
@@ -5081,7 +5131,7 @@
           <p:cNvPr id="19" name="Straight Arrow Connector 18">
             <a:extLst>
               <a:ext uri="{FF2B5EF4-FFF2-40B4-BE49-F238E27FC236}">
-                <a16:creationId xmlns="" xmlns:a16="http://schemas.microsoft.com/office/drawing/2014/main" id="{B4B09C13-D9CD-A756-6DA3-15C3299FDBB2}"/>
+                <a16:creationId xmlns:a16="http://schemas.microsoft.com/office/drawing/2014/main" xmlns="" id="{B4B09C13-D9CD-A756-6DA3-15C3299FDBB2}"/>
               </a:ext>
             </a:extLst>
           </p:cNvPr>
@@ -5128,7 +5178,7 @@
           <p:cNvPr id="20" name="Straight Arrow Connector 19">
             <a:extLst>
               <a:ext uri="{FF2B5EF4-FFF2-40B4-BE49-F238E27FC236}">
-                <a16:creationId xmlns="" xmlns:a16="http://schemas.microsoft.com/office/drawing/2014/main" id="{7ED97167-D0D5-2136-E1EE-60292AA25E2D}"/>
+                <a16:creationId xmlns:a16="http://schemas.microsoft.com/office/drawing/2014/main" xmlns="" id="{7ED97167-D0D5-2136-E1EE-60292AA25E2D}"/>
               </a:ext>
             </a:extLst>
           </p:cNvPr>
@@ -5175,7 +5225,7 @@
           <p:cNvPr id="25" name="Straight Arrow Connector 24">
             <a:extLst>
               <a:ext uri="{FF2B5EF4-FFF2-40B4-BE49-F238E27FC236}">
-                <a16:creationId xmlns="" xmlns:a16="http://schemas.microsoft.com/office/drawing/2014/main" id="{32D29388-0397-1D4F-BE06-7380131E610D}"/>
+                <a16:creationId xmlns:a16="http://schemas.microsoft.com/office/drawing/2014/main" xmlns="" id="{32D29388-0397-1D4F-BE06-7380131E610D}"/>
               </a:ext>
             </a:extLst>
           </p:cNvPr>
@@ -5221,7 +5271,7 @@
           <p:cNvPr id="26" name="Straight Arrow Connector 25">
             <a:extLst>
               <a:ext uri="{FF2B5EF4-FFF2-40B4-BE49-F238E27FC236}">
-                <a16:creationId xmlns="" xmlns:a16="http://schemas.microsoft.com/office/drawing/2014/main" id="{3BB3D4CA-D759-40FE-9DD8-028000416C40}"/>
+                <a16:creationId xmlns:a16="http://schemas.microsoft.com/office/drawing/2014/main" xmlns="" id="{3BB3D4CA-D759-40FE-9DD8-028000416C40}"/>
               </a:ext>
             </a:extLst>
           </p:cNvPr>
@@ -5267,7 +5317,7 @@
           <p:cNvPr id="28" name="Straight Arrow Connector 27">
             <a:extLst>
               <a:ext uri="{FF2B5EF4-FFF2-40B4-BE49-F238E27FC236}">
-                <a16:creationId xmlns="" xmlns:a16="http://schemas.microsoft.com/office/drawing/2014/main" id="{B1627CCA-4251-2B39-7205-CE2BAAA18D5E}"/>
+                <a16:creationId xmlns:a16="http://schemas.microsoft.com/office/drawing/2014/main" xmlns="" id="{B1627CCA-4251-2B39-7205-CE2BAAA18D5E}"/>
               </a:ext>
             </a:extLst>
           </p:cNvPr>
@@ -5315,7 +5365,7 @@
           <p:cNvPr id="32" name="Straight Arrow Connector 31">
             <a:extLst>
               <a:ext uri="{FF2B5EF4-FFF2-40B4-BE49-F238E27FC236}">
-                <a16:creationId xmlns="" xmlns:a16="http://schemas.microsoft.com/office/drawing/2014/main" id="{10E5ACA1-02EE-A67D-DCA9-6B96F7071AC9}"/>
+                <a16:creationId xmlns:a16="http://schemas.microsoft.com/office/drawing/2014/main" xmlns="" id="{10E5ACA1-02EE-A67D-DCA9-6B96F7071AC9}"/>
               </a:ext>
             </a:extLst>
           </p:cNvPr>
@@ -5362,7 +5412,7 @@
           <p:cNvPr id="34" name="Rectangle: Rounded Corners 33">
             <a:extLst>
               <a:ext uri="{FF2B5EF4-FFF2-40B4-BE49-F238E27FC236}">
-                <a16:creationId xmlns="" xmlns:a16="http://schemas.microsoft.com/office/drawing/2014/main" id="{8C197419-F773-1142-B780-29E6E6B690F4}"/>
+                <a16:creationId xmlns:a16="http://schemas.microsoft.com/office/drawing/2014/main" xmlns="" id="{8C197419-F773-1142-B780-29E6E6B690F4}"/>
               </a:ext>
             </a:extLst>
           </p:cNvPr>
@@ -5409,7 +5459,7 @@
           <p:cNvPr id="36" name="Straight Arrow Connector 35">
             <a:extLst>
               <a:ext uri="{FF2B5EF4-FFF2-40B4-BE49-F238E27FC236}">
-                <a16:creationId xmlns="" xmlns:a16="http://schemas.microsoft.com/office/drawing/2014/main" id="{2E24A49E-1D2C-F722-4617-1D2673ABA492}"/>
+                <a16:creationId xmlns:a16="http://schemas.microsoft.com/office/drawing/2014/main" xmlns="" id="{2E24A49E-1D2C-F722-4617-1D2673ABA492}"/>
               </a:ext>
             </a:extLst>
           </p:cNvPr>
@@ -5456,7 +5506,7 @@
           <p:cNvPr id="38" name="TextBox 37">
             <a:extLst>
               <a:ext uri="{FF2B5EF4-FFF2-40B4-BE49-F238E27FC236}">
-                <a16:creationId xmlns="" xmlns:a16="http://schemas.microsoft.com/office/drawing/2014/main" id="{9D40BC79-655F-A6ED-8855-E0F2A4A525CE}"/>
+                <a16:creationId xmlns:a16="http://schemas.microsoft.com/office/drawing/2014/main" xmlns="" id="{9D40BC79-655F-A6ED-8855-E0F2A4A525CE}"/>
               </a:ext>
             </a:extLst>
           </p:cNvPr>
@@ -5491,7 +5541,7 @@
           <p:cNvPr id="39" name="TextBox 38">
             <a:extLst>
               <a:ext uri="{FF2B5EF4-FFF2-40B4-BE49-F238E27FC236}">
-                <a16:creationId xmlns="" xmlns:a16="http://schemas.microsoft.com/office/drawing/2014/main" id="{EF7EC117-92AD-B7B7-D1C7-A110633DDC63}"/>
+                <a16:creationId xmlns:a16="http://schemas.microsoft.com/office/drawing/2014/main" xmlns="" id="{EF7EC117-92AD-B7B7-D1C7-A110633DDC63}"/>
               </a:ext>
             </a:extLst>
           </p:cNvPr>
@@ -5526,7 +5576,7 @@
           <p:cNvPr id="46" name="Straight Connector 45">
             <a:extLst>
               <a:ext uri="{FF2B5EF4-FFF2-40B4-BE49-F238E27FC236}">
-                <a16:creationId xmlns="" xmlns:a16="http://schemas.microsoft.com/office/drawing/2014/main" id="{9E6879FB-981B-A885-FEC1-1D533C77AABC}"/>
+                <a16:creationId xmlns:a16="http://schemas.microsoft.com/office/drawing/2014/main" xmlns="" id="{9E6879FB-981B-A885-FEC1-1D533C77AABC}"/>
               </a:ext>
             </a:extLst>
           </p:cNvPr>
@@ -5571,7 +5621,7 @@
           <p:cNvPr id="48" name="Straight Arrow Connector 47">
             <a:extLst>
               <a:ext uri="{FF2B5EF4-FFF2-40B4-BE49-F238E27FC236}">
-                <a16:creationId xmlns="" xmlns:a16="http://schemas.microsoft.com/office/drawing/2014/main" id="{58D7916A-EC1D-1F09-9050-3930F3061C8D}"/>
+                <a16:creationId xmlns:a16="http://schemas.microsoft.com/office/drawing/2014/main" xmlns="" id="{58D7916A-EC1D-1F09-9050-3930F3061C8D}"/>
               </a:ext>
             </a:extLst>
           </p:cNvPr>
@@ -5617,7 +5667,7 @@
           <p:cNvPr id="50" name="TextBox 49">
             <a:extLst>
               <a:ext uri="{FF2B5EF4-FFF2-40B4-BE49-F238E27FC236}">
-                <a16:creationId xmlns="" xmlns:a16="http://schemas.microsoft.com/office/drawing/2014/main" id="{F523EA23-57FD-BBB7-8C38-743B8D66175C}"/>
+                <a16:creationId xmlns:a16="http://schemas.microsoft.com/office/drawing/2014/main" xmlns="" id="{F523EA23-57FD-BBB7-8C38-743B8D66175C}"/>
               </a:ext>
             </a:extLst>
           </p:cNvPr>
@@ -5686,7 +5736,7 @@
           <p:cNvPr id="2" name="Rectangle: Rounded Corners 1">
             <a:extLst>
               <a:ext uri="{FF2B5EF4-FFF2-40B4-BE49-F238E27FC236}">
-                <a16:creationId xmlns="" xmlns:a16="http://schemas.microsoft.com/office/drawing/2014/main" id="{1073681D-19F6-B288-1BEB-2DAEB11310EF}"/>
+                <a16:creationId xmlns:a16="http://schemas.microsoft.com/office/drawing/2014/main" xmlns="" id="{1073681D-19F6-B288-1BEB-2DAEB11310EF}"/>
               </a:ext>
             </a:extLst>
           </p:cNvPr>
@@ -5733,7 +5783,7 @@
           <p:cNvPr id="3" name="Rectangle: Rounded Corners 2">
             <a:extLst>
               <a:ext uri="{FF2B5EF4-FFF2-40B4-BE49-F238E27FC236}">
-                <a16:creationId xmlns="" xmlns:a16="http://schemas.microsoft.com/office/drawing/2014/main" id="{E00A6FD4-52E1-1FB2-FD72-3BB8987F9CA7}"/>
+                <a16:creationId xmlns:a16="http://schemas.microsoft.com/office/drawing/2014/main" xmlns="" id="{E00A6FD4-52E1-1FB2-FD72-3BB8987F9CA7}"/>
               </a:ext>
             </a:extLst>
           </p:cNvPr>
@@ -5781,7 +5831,7 @@
           <p:cNvPr id="4" name="Rectangle: Rounded Corners 3">
             <a:extLst>
               <a:ext uri="{FF2B5EF4-FFF2-40B4-BE49-F238E27FC236}">
-                <a16:creationId xmlns="" xmlns:a16="http://schemas.microsoft.com/office/drawing/2014/main" id="{270BF73A-E04B-36DA-EA09-F3FBB9910E0B}"/>
+                <a16:creationId xmlns:a16="http://schemas.microsoft.com/office/drawing/2014/main" xmlns="" id="{270BF73A-E04B-36DA-EA09-F3FBB9910E0B}"/>
               </a:ext>
             </a:extLst>
           </p:cNvPr>
@@ -5828,7 +5878,7 @@
           <p:cNvPr id="5" name="Rectangle: Rounded Corners 4">
             <a:extLst>
               <a:ext uri="{FF2B5EF4-FFF2-40B4-BE49-F238E27FC236}">
-                <a16:creationId xmlns="" xmlns:a16="http://schemas.microsoft.com/office/drawing/2014/main" id="{898EFBDD-45B9-84F9-58EF-BCEFD06092F2}"/>
+                <a16:creationId xmlns:a16="http://schemas.microsoft.com/office/drawing/2014/main" xmlns="" id="{898EFBDD-45B9-84F9-58EF-BCEFD06092F2}"/>
               </a:ext>
             </a:extLst>
           </p:cNvPr>
@@ -5883,7 +5933,7 @@
           <p:cNvPr id="6" name="Rectangle: Rounded Corners 5">
             <a:extLst>
               <a:ext uri="{FF2B5EF4-FFF2-40B4-BE49-F238E27FC236}">
-                <a16:creationId xmlns="" xmlns:a16="http://schemas.microsoft.com/office/drawing/2014/main" id="{8FFA76F2-BA94-A617-AF6F-6B7840ED363D}"/>
+                <a16:creationId xmlns:a16="http://schemas.microsoft.com/office/drawing/2014/main" xmlns="" id="{8FFA76F2-BA94-A617-AF6F-6B7840ED363D}"/>
               </a:ext>
             </a:extLst>
           </p:cNvPr>
@@ -5930,7 +5980,7 @@
           <p:cNvPr id="8" name="Oval 7">
             <a:extLst>
               <a:ext uri="{FF2B5EF4-FFF2-40B4-BE49-F238E27FC236}">
-                <a16:creationId xmlns="" xmlns:a16="http://schemas.microsoft.com/office/drawing/2014/main" id="{64CD3732-43BD-F4DF-7327-A54E4C118CC1}"/>
+                <a16:creationId xmlns:a16="http://schemas.microsoft.com/office/drawing/2014/main" xmlns="" id="{64CD3732-43BD-F4DF-7327-A54E4C118CC1}"/>
               </a:ext>
             </a:extLst>
           </p:cNvPr>
@@ -5974,7 +6024,7 @@
           <p:cNvPr id="9" name="Oval 8">
             <a:extLst>
               <a:ext uri="{FF2B5EF4-FFF2-40B4-BE49-F238E27FC236}">
-                <a16:creationId xmlns="" xmlns:a16="http://schemas.microsoft.com/office/drawing/2014/main" id="{4676382B-C4F5-B944-5FA9-7E7360D60ABF}"/>
+                <a16:creationId xmlns:a16="http://schemas.microsoft.com/office/drawing/2014/main" xmlns="" id="{4676382B-C4F5-B944-5FA9-7E7360D60ABF}"/>
               </a:ext>
             </a:extLst>
           </p:cNvPr>
@@ -6020,7 +6070,7 @@
           <p:cNvPr id="11" name="Straight Arrow Connector 10">
             <a:extLst>
               <a:ext uri="{FF2B5EF4-FFF2-40B4-BE49-F238E27FC236}">
-                <a16:creationId xmlns="" xmlns:a16="http://schemas.microsoft.com/office/drawing/2014/main" id="{6000A33E-FB32-8DA3-71E1-886FA8A93582}"/>
+                <a16:creationId xmlns:a16="http://schemas.microsoft.com/office/drawing/2014/main" xmlns="" id="{6000A33E-FB32-8DA3-71E1-886FA8A93582}"/>
               </a:ext>
             </a:extLst>
           </p:cNvPr>
@@ -6067,7 +6117,7 @@
           <p:cNvPr id="12" name="Straight Arrow Connector 11">
             <a:extLst>
               <a:ext uri="{FF2B5EF4-FFF2-40B4-BE49-F238E27FC236}">
-                <a16:creationId xmlns="" xmlns:a16="http://schemas.microsoft.com/office/drawing/2014/main" id="{D0D66927-A270-B741-AC59-B8A2559CBE19}"/>
+                <a16:creationId xmlns:a16="http://schemas.microsoft.com/office/drawing/2014/main" xmlns="" id="{D0D66927-A270-B741-AC59-B8A2559CBE19}"/>
               </a:ext>
             </a:extLst>
           </p:cNvPr>
@@ -6114,7 +6164,7 @@
           <p:cNvPr id="13" name="Straight Arrow Connector 12">
             <a:extLst>
               <a:ext uri="{FF2B5EF4-FFF2-40B4-BE49-F238E27FC236}">
-                <a16:creationId xmlns="" xmlns:a16="http://schemas.microsoft.com/office/drawing/2014/main" id="{3087F5B5-B0E7-975E-E5CB-B91EF3AC1205}"/>
+                <a16:creationId xmlns:a16="http://schemas.microsoft.com/office/drawing/2014/main" xmlns="" id="{3087F5B5-B0E7-975E-E5CB-B91EF3AC1205}"/>
               </a:ext>
             </a:extLst>
           </p:cNvPr>
@@ -6160,7 +6210,7 @@
           <p:cNvPr id="15" name="Straight Arrow Connector 14">
             <a:extLst>
               <a:ext uri="{FF2B5EF4-FFF2-40B4-BE49-F238E27FC236}">
-                <a16:creationId xmlns="" xmlns:a16="http://schemas.microsoft.com/office/drawing/2014/main" id="{083F14E6-1D17-494D-4E8C-7463A544FE0F}"/>
+                <a16:creationId xmlns:a16="http://schemas.microsoft.com/office/drawing/2014/main" xmlns="" id="{083F14E6-1D17-494D-4E8C-7463A544FE0F}"/>
               </a:ext>
             </a:extLst>
           </p:cNvPr>
@@ -6206,7 +6256,7 @@
           <p:cNvPr id="17" name="Straight Arrow Connector 16">
             <a:extLst>
               <a:ext uri="{FF2B5EF4-FFF2-40B4-BE49-F238E27FC236}">
-                <a16:creationId xmlns="" xmlns:a16="http://schemas.microsoft.com/office/drawing/2014/main" id="{21F0C8D6-51DF-2F26-EFB9-C92723242232}"/>
+                <a16:creationId xmlns:a16="http://schemas.microsoft.com/office/drawing/2014/main" xmlns="" id="{21F0C8D6-51DF-2F26-EFB9-C92723242232}"/>
               </a:ext>
             </a:extLst>
           </p:cNvPr>
@@ -6253,7 +6303,7 @@
           <p:cNvPr id="18" name="Rectangle: Rounded Corners 17">
             <a:extLst>
               <a:ext uri="{FF2B5EF4-FFF2-40B4-BE49-F238E27FC236}">
-                <a16:creationId xmlns="" xmlns:a16="http://schemas.microsoft.com/office/drawing/2014/main" id="{143E5E89-0446-A123-D44B-03A84EEE8459}"/>
+                <a16:creationId xmlns:a16="http://schemas.microsoft.com/office/drawing/2014/main" xmlns="" id="{143E5E89-0446-A123-D44B-03A84EEE8459}"/>
               </a:ext>
             </a:extLst>
           </p:cNvPr>
@@ -6300,7 +6350,7 @@
           <p:cNvPr id="19" name="Straight Arrow Connector 18">
             <a:extLst>
               <a:ext uri="{FF2B5EF4-FFF2-40B4-BE49-F238E27FC236}">
-                <a16:creationId xmlns="" xmlns:a16="http://schemas.microsoft.com/office/drawing/2014/main" id="{018BF948-B779-76CA-F507-1170FA950A47}"/>
+                <a16:creationId xmlns:a16="http://schemas.microsoft.com/office/drawing/2014/main" xmlns="" id="{018BF948-B779-76CA-F507-1170FA950A47}"/>
               </a:ext>
             </a:extLst>
           </p:cNvPr>
@@ -6346,7 +6396,7 @@
           <p:cNvPr id="20" name="TextBox 19">
             <a:extLst>
               <a:ext uri="{FF2B5EF4-FFF2-40B4-BE49-F238E27FC236}">
-                <a16:creationId xmlns="" xmlns:a16="http://schemas.microsoft.com/office/drawing/2014/main" id="{36AE9D5A-C5DB-5F62-2179-62DDD7DCE517}"/>
+                <a16:creationId xmlns:a16="http://schemas.microsoft.com/office/drawing/2014/main" xmlns="" id="{36AE9D5A-C5DB-5F62-2179-62DDD7DCE517}"/>
               </a:ext>
             </a:extLst>
           </p:cNvPr>
@@ -6381,7 +6431,7 @@
           <p:cNvPr id="21" name="TextBox 20">
             <a:extLst>
               <a:ext uri="{FF2B5EF4-FFF2-40B4-BE49-F238E27FC236}">
-                <a16:creationId xmlns="" xmlns:a16="http://schemas.microsoft.com/office/drawing/2014/main" id="{AF1EC74D-2C9D-4AE0-6CD3-7C59AABA183F}"/>
+                <a16:creationId xmlns:a16="http://schemas.microsoft.com/office/drawing/2014/main" xmlns="" id="{AF1EC74D-2C9D-4AE0-6CD3-7C59AABA183F}"/>
               </a:ext>
             </a:extLst>
           </p:cNvPr>
@@ -6416,7 +6466,7 @@
           <p:cNvPr id="22" name="Straight Connector 21">
             <a:extLst>
               <a:ext uri="{FF2B5EF4-FFF2-40B4-BE49-F238E27FC236}">
-                <a16:creationId xmlns="" xmlns:a16="http://schemas.microsoft.com/office/drawing/2014/main" id="{9768DD44-1A78-012A-44D6-0294BC7293AC}"/>
+                <a16:creationId xmlns:a16="http://schemas.microsoft.com/office/drawing/2014/main" xmlns="" id="{9768DD44-1A78-012A-44D6-0294BC7293AC}"/>
               </a:ext>
             </a:extLst>
           </p:cNvPr>
@@ -6461,7 +6511,7 @@
           <p:cNvPr id="23" name="Straight Arrow Connector 22">
             <a:extLst>
               <a:ext uri="{FF2B5EF4-FFF2-40B4-BE49-F238E27FC236}">
-                <a16:creationId xmlns="" xmlns:a16="http://schemas.microsoft.com/office/drawing/2014/main" id="{62819045-EF59-FEA7-63E2-6E1BB7E36DAF}"/>
+                <a16:creationId xmlns:a16="http://schemas.microsoft.com/office/drawing/2014/main" xmlns="" id="{62819045-EF59-FEA7-63E2-6E1BB7E36DAF}"/>
               </a:ext>
             </a:extLst>
           </p:cNvPr>
@@ -6507,7 +6557,7 @@
           <p:cNvPr id="24" name="Flowchart: Decision 23">
             <a:extLst>
               <a:ext uri="{FF2B5EF4-FFF2-40B4-BE49-F238E27FC236}">
-                <a16:creationId xmlns="" xmlns:a16="http://schemas.microsoft.com/office/drawing/2014/main" id="{A2930897-CAEF-D8EF-E74F-B637E2FF4562}"/>
+                <a16:creationId xmlns:a16="http://schemas.microsoft.com/office/drawing/2014/main" xmlns="" id="{A2930897-CAEF-D8EF-E74F-B637E2FF4562}"/>
               </a:ext>
             </a:extLst>
           </p:cNvPr>
@@ -6554,7 +6604,7 @@
           <p:cNvPr id="25" name="Oval 24">
             <a:extLst>
               <a:ext uri="{FF2B5EF4-FFF2-40B4-BE49-F238E27FC236}">
-                <a16:creationId xmlns="" xmlns:a16="http://schemas.microsoft.com/office/drawing/2014/main" id="{0E7D76A5-C7E8-EDD9-9594-6BE42877D2D4}"/>
+                <a16:creationId xmlns:a16="http://schemas.microsoft.com/office/drawing/2014/main" xmlns="" id="{0E7D76A5-C7E8-EDD9-9594-6BE42877D2D4}"/>
               </a:ext>
             </a:extLst>
           </p:cNvPr>
@@ -6600,7 +6650,7 @@
           <p:cNvPr id="26" name="TextBox 25">
             <a:extLst>
               <a:ext uri="{FF2B5EF4-FFF2-40B4-BE49-F238E27FC236}">
-                <a16:creationId xmlns="" xmlns:a16="http://schemas.microsoft.com/office/drawing/2014/main" id="{B1ACBB6B-9A36-44D2-0B1D-F1991FF5B8CF}"/>
+                <a16:creationId xmlns:a16="http://schemas.microsoft.com/office/drawing/2014/main" xmlns="" id="{B1ACBB6B-9A36-44D2-0B1D-F1991FF5B8CF}"/>
               </a:ext>
             </a:extLst>
           </p:cNvPr>
@@ -6635,7 +6685,7 @@
           <p:cNvPr id="29" name="Straight Connector 28">
             <a:extLst>
               <a:ext uri="{FF2B5EF4-FFF2-40B4-BE49-F238E27FC236}">
-                <a16:creationId xmlns="" xmlns:a16="http://schemas.microsoft.com/office/drawing/2014/main" id="{791CC7CF-9EE9-1722-E3A1-A61C644E91C6}"/>
+                <a16:creationId xmlns:a16="http://schemas.microsoft.com/office/drawing/2014/main" xmlns="" id="{791CC7CF-9EE9-1722-E3A1-A61C644E91C6}"/>
               </a:ext>
             </a:extLst>
           </p:cNvPr>
@@ -6678,7 +6728,7 @@
           <p:cNvPr id="31" name="Straight Connector 30">
             <a:extLst>
               <a:ext uri="{FF2B5EF4-FFF2-40B4-BE49-F238E27FC236}">
-                <a16:creationId xmlns="" xmlns:a16="http://schemas.microsoft.com/office/drawing/2014/main" id="{B90AC53B-DC74-D333-FDD7-CF09107A32C2}"/>
+                <a16:creationId xmlns:a16="http://schemas.microsoft.com/office/drawing/2014/main" xmlns="" id="{B90AC53B-DC74-D333-FDD7-CF09107A32C2}"/>
               </a:ext>
             </a:extLst>
           </p:cNvPr>
@@ -6721,7 +6771,7 @@
           <p:cNvPr id="34" name="Straight Arrow Connector 33">
             <a:extLst>
               <a:ext uri="{FF2B5EF4-FFF2-40B4-BE49-F238E27FC236}">
-                <a16:creationId xmlns="" xmlns:a16="http://schemas.microsoft.com/office/drawing/2014/main" id="{BA46F453-0B49-02F6-FD2D-DFC3066C3C39}"/>
+                <a16:creationId xmlns:a16="http://schemas.microsoft.com/office/drawing/2014/main" xmlns="" id="{BA46F453-0B49-02F6-FD2D-DFC3066C3C39}"/>
               </a:ext>
             </a:extLst>
           </p:cNvPr>
@@ -6767,7 +6817,7 @@
           <p:cNvPr id="35" name="Straight Arrow Connector 34">
             <a:extLst>
               <a:ext uri="{FF2B5EF4-FFF2-40B4-BE49-F238E27FC236}">
-                <a16:creationId xmlns="" xmlns:a16="http://schemas.microsoft.com/office/drawing/2014/main" id="{AE0E0BF6-41BB-A3C6-6578-26E58348D967}"/>
+                <a16:creationId xmlns:a16="http://schemas.microsoft.com/office/drawing/2014/main" xmlns="" id="{AE0E0BF6-41BB-A3C6-6578-26E58348D967}"/>
               </a:ext>
             </a:extLst>
           </p:cNvPr>
@@ -6811,7 +6861,7 @@
           <p:cNvPr id="36" name="Straight Arrow Connector 35">
             <a:extLst>
               <a:ext uri="{FF2B5EF4-FFF2-40B4-BE49-F238E27FC236}">
-                <a16:creationId xmlns="" xmlns:a16="http://schemas.microsoft.com/office/drawing/2014/main" id="{611A17AA-F541-52F6-D7F2-55F3C1204901}"/>
+                <a16:creationId xmlns:a16="http://schemas.microsoft.com/office/drawing/2014/main" xmlns="" id="{611A17AA-F541-52F6-D7F2-55F3C1204901}"/>
               </a:ext>
             </a:extLst>
           </p:cNvPr>
@@ -6855,7 +6905,7 @@
           <p:cNvPr id="38" name="Straight Arrow Connector 37">
             <a:extLst>
               <a:ext uri="{FF2B5EF4-FFF2-40B4-BE49-F238E27FC236}">
-                <a16:creationId xmlns="" xmlns:a16="http://schemas.microsoft.com/office/drawing/2014/main" id="{1F0EF99B-BA15-0A99-FED2-6D34CF770BD4}"/>
+                <a16:creationId xmlns:a16="http://schemas.microsoft.com/office/drawing/2014/main" xmlns="" id="{1F0EF99B-BA15-0A99-FED2-6D34CF770BD4}"/>
               </a:ext>
             </a:extLst>
           </p:cNvPr>
@@ -6901,7 +6951,7 @@
           <p:cNvPr id="39" name="Straight Arrow Connector 38">
             <a:extLst>
               <a:ext uri="{FF2B5EF4-FFF2-40B4-BE49-F238E27FC236}">
-                <a16:creationId xmlns="" xmlns:a16="http://schemas.microsoft.com/office/drawing/2014/main" id="{D27099E4-9C50-81B4-6FF6-211091CFCA0D}"/>
+                <a16:creationId xmlns:a16="http://schemas.microsoft.com/office/drawing/2014/main" xmlns="" id="{D27099E4-9C50-81B4-6FF6-211091CFCA0D}"/>
               </a:ext>
             </a:extLst>
           </p:cNvPr>
@@ -6945,7 +6995,7 @@
           <p:cNvPr id="40" name="Straight Arrow Connector 39">
             <a:extLst>
               <a:ext uri="{FF2B5EF4-FFF2-40B4-BE49-F238E27FC236}">
-                <a16:creationId xmlns="" xmlns:a16="http://schemas.microsoft.com/office/drawing/2014/main" id="{BBA10040-794A-BF5A-7208-6AB7074D62E7}"/>
+                <a16:creationId xmlns:a16="http://schemas.microsoft.com/office/drawing/2014/main" xmlns="" id="{BBA10040-794A-BF5A-7208-6AB7074D62E7}"/>
               </a:ext>
             </a:extLst>
           </p:cNvPr>
@@ -7023,7 +7073,7 @@
         <p:spPr>
           <a:xfrm>
             <a:off x="517584" y="117693"/>
-            <a:ext cx="11007306" cy="5632311"/>
+            <a:ext cx="11007306" cy="4893647"/>
           </a:xfrm>
           <a:prstGeom prst="rect">
             <a:avLst/>
@@ -7082,15 +7132,6 @@
             <a:r>
               <a:rPr lang="en-US" sz="2400" b="1" dirty="0"/>
               <a:t>the user through the cardinalities presented by the user.</a:t>
-            </a:r>
-          </a:p>
-          <a:p>
-            <a:endParaRPr lang="en-US" sz="2400" b="1" dirty="0"/>
-          </a:p>
-          <a:p>
-            <a:r>
-              <a:rPr lang="en-US" sz="2400" b="1" dirty="0"/>
-              <a:t>:-    Admin can add, update or  delete the user.</a:t>
             </a:r>
           </a:p>
           <a:p>
@@ -7170,7 +7211,7 @@
         <p:spPr>
           <a:xfrm>
             <a:off x="552090" y="995744"/>
-            <a:ext cx="9747849" cy="5262979"/>
+            <a:ext cx="9747849" cy="4154984"/>
           </a:xfrm>
           <a:prstGeom prst="rect">
             <a:avLst/>
@@ -7191,13 +7232,18 @@
               </a:spcAft>
             </a:pPr>
             <a:r>
-              <a:rPr lang="en-US" sz="2400" b="1" dirty="0">
+              <a:rPr lang="en-US" sz="2400" b="1" dirty="0" smtClean="0">
                 <a:latin typeface="Georgia" pitchFamily="18" charset="0"/>
                 <a:ea typeface="Calibri" pitchFamily="34" charset="0"/>
                 <a:cs typeface="Times New Roman" pitchFamily="18" charset="0"/>
               </a:rPr>
-              <a:t>Customer:</a:t>
-            </a:r>
+              <a:t>User:</a:t>
+            </a:r>
+            <a:endParaRPr lang="en-US" sz="2400" b="1" dirty="0">
+              <a:latin typeface="Georgia" pitchFamily="18" charset="0"/>
+              <a:ea typeface="Calibri" pitchFamily="34" charset="0"/>
+              <a:cs typeface="Times New Roman" pitchFamily="18" charset="0"/>
+            </a:endParaRPr>
           </a:p>
           <a:p>
             <a:pPr lvl="0" fontAlgn="base">
@@ -7242,7 +7288,23 @@
                 <a:ea typeface="Calibri" pitchFamily="34" charset="0"/>
                 <a:cs typeface="Times New Roman" pitchFamily="18" charset="0"/>
               </a:rPr>
-              <a:t>:-     Customer can register the account by fill the information about you and click on save button. </a:t>
+              <a:t>:-     </a:t>
+            </a:r>
+            <a:r>
+              <a:rPr lang="en-US" sz="2400" b="1" dirty="0" smtClean="0">
+                <a:latin typeface="Georgia" pitchFamily="18" charset="0"/>
+                <a:ea typeface="Calibri" pitchFamily="34" charset="0"/>
+                <a:cs typeface="Times New Roman" pitchFamily="18" charset="0"/>
+              </a:rPr>
+              <a:t>User can </a:t>
+            </a:r>
+            <a:r>
+              <a:rPr lang="en-US" sz="2400" b="1" dirty="0">
+                <a:latin typeface="Georgia" pitchFamily="18" charset="0"/>
+                <a:ea typeface="Calibri" pitchFamily="34" charset="0"/>
+                <a:cs typeface="Times New Roman" pitchFamily="18" charset="0"/>
+              </a:rPr>
+              <a:t>register the account by fill the information about you and click on save button. </a:t>
             </a:r>
           </a:p>
           <a:p>
@@ -7274,7 +7336,23 @@
                 <a:ea typeface="Calibri" pitchFamily="34" charset="0"/>
                 <a:cs typeface="Times New Roman" pitchFamily="18" charset="0"/>
               </a:rPr>
-              <a:t>:-     He/she can add the account for the further enquiry of the Product buying. </a:t>
+              <a:t>:-     He/she can add the account for the further enquiry of </a:t>
+            </a:r>
+            <a:r>
+              <a:rPr lang="en-US" sz="2400" b="1" dirty="0" smtClean="0">
+                <a:latin typeface="Georgia" pitchFamily="18" charset="0"/>
+                <a:ea typeface="Calibri" pitchFamily="34" charset="0"/>
+                <a:cs typeface="Times New Roman" pitchFamily="18" charset="0"/>
+              </a:rPr>
+              <a:t>            the Bike buying</a:t>
+            </a:r>
+            <a:r>
+              <a:rPr lang="en-US" sz="2400" b="1" dirty="0">
+                <a:latin typeface="Georgia" pitchFamily="18" charset="0"/>
+                <a:ea typeface="Calibri" pitchFamily="34" charset="0"/>
+                <a:cs typeface="Times New Roman" pitchFamily="18" charset="0"/>
+              </a:rPr>
+              <a:t>. </a:t>
             </a:r>
             <a:endParaRPr lang="en-US" sz="2400" b="1" dirty="0" smtClean="0">
               <a:latin typeface="Georgia" pitchFamily="18" charset="0"/>
@@ -7308,12 +7386,20 @@
               <a:t>       The </a:t>
             </a:r>
             <a:r>
+              <a:rPr lang="en-US" sz="2400" b="1" dirty="0" smtClean="0">
+                <a:latin typeface="Georgia" pitchFamily="18" charset="0"/>
+                <a:ea typeface="Calibri" pitchFamily="34" charset="0"/>
+                <a:cs typeface="Times New Roman" pitchFamily="18" charset="0"/>
+              </a:rPr>
+              <a:t>User have </a:t>
+            </a:r>
+            <a:r>
               <a:rPr lang="en-US" sz="2400" b="1" dirty="0">
                 <a:latin typeface="Georgia" pitchFamily="18" charset="0"/>
                 <a:ea typeface="Calibri" pitchFamily="34" charset="0"/>
                 <a:cs typeface="Times New Roman" pitchFamily="18" charset="0"/>
               </a:rPr>
-              <a:t>customer </a:t>
+              <a:t>to login to get more information about the </a:t>
             </a:r>
             <a:r>
               <a:rPr lang="en-US" sz="2400" b="1" dirty="0" smtClean="0">
@@ -7321,16 +7407,13 @@
                 <a:ea typeface="Calibri" pitchFamily="34" charset="0"/>
                 <a:cs typeface="Times New Roman" pitchFamily="18" charset="0"/>
               </a:rPr>
-              <a:t> have </a:t>
-            </a:r>
-            <a:r>
-              <a:rPr lang="en-US" sz="2400" b="1" dirty="0">
-                <a:latin typeface="Georgia" pitchFamily="18" charset="0"/>
-                <a:ea typeface="Calibri" pitchFamily="34" charset="0"/>
-                <a:cs typeface="Times New Roman" pitchFamily="18" charset="0"/>
-              </a:rPr>
-              <a:t>to login to get more information about the Product and Showroom. </a:t>
-            </a:r>
+              <a:t>Bike. </a:t>
+            </a:r>
+            <a:endParaRPr lang="en-US" sz="2400" b="1" dirty="0">
+              <a:latin typeface="Georgia" pitchFamily="18" charset="0"/>
+              <a:ea typeface="Calibri" pitchFamily="34" charset="0"/>
+              <a:cs typeface="Times New Roman" pitchFamily="18" charset="0"/>
+            </a:endParaRPr>
           </a:p>
           <a:p>
             <a:pPr lvl="0" eaLnBrk="0" fontAlgn="base" hangingPunct="0">
@@ -7341,68 +7424,17 @@
                 <a:spcPct val="0"/>
               </a:spcAft>
             </a:pPr>
+            <a:r>
+              <a:rPr lang="en-US" sz="2400" b="1" dirty="0" smtClean="0">
+                <a:latin typeface="Georgia" pitchFamily="18" charset="0"/>
+                <a:cs typeface="Arial" pitchFamily="34" charset="0"/>
+              </a:rPr>
+              <a:t>    </a:t>
+            </a:r>
             <a:endParaRPr lang="en-US" sz="2400" b="1" dirty="0">
               <a:latin typeface="Georgia" pitchFamily="18" charset="0"/>
               <a:cs typeface="Arial" pitchFamily="34" charset="0"/>
             </a:endParaRPr>
-          </a:p>
-          <a:p>
-            <a:pPr lvl="0" eaLnBrk="0" fontAlgn="base" hangingPunct="0">
-              <a:spcBef>
-                <a:spcPct val="0"/>
-              </a:spcBef>
-              <a:spcAft>
-                <a:spcPct val="0"/>
-              </a:spcAft>
-            </a:pPr>
-            <a:r>
-              <a:rPr lang="en-US" sz="2400" b="1" dirty="0">
-                <a:latin typeface="Georgia" pitchFamily="18" charset="0"/>
-                <a:ea typeface="Calibri" pitchFamily="34" charset="0"/>
-                <a:cs typeface="Times New Roman" pitchFamily="18" charset="0"/>
-              </a:rPr>
-              <a:t>:-  </a:t>
-            </a:r>
-            <a:r>
-              <a:rPr lang="en-US" sz="2400" b="1" dirty="0">
-                <a:solidFill>
-                  <a:srgbClr val="000000"/>
-                </a:solidFill>
-                <a:latin typeface="Georgia" pitchFamily="18" charset="0"/>
-                <a:ea typeface="Calibri" pitchFamily="34" charset="0"/>
-                <a:cs typeface="Times New Roman" pitchFamily="18" charset="0"/>
-              </a:rPr>
-              <a:t>   </a:t>
-            </a:r>
-            <a:r>
-              <a:rPr lang="en-US" sz="2400" b="1" dirty="0">
-                <a:latin typeface="Georgia" pitchFamily="18" charset="0"/>
-                <a:ea typeface="Calibri" pitchFamily="34" charset="0"/>
-                <a:cs typeface="Times New Roman" pitchFamily="18" charset="0"/>
-              </a:rPr>
-              <a:t>The customer can buy the Product, view the Product and also give the feedback about Product and Showroom. </a:t>
-            </a:r>
-            <a:endParaRPr lang="en-US" sz="2400" b="1" dirty="0">
-              <a:latin typeface="Georgia" pitchFamily="18" charset="0"/>
-              <a:cs typeface="Arial" pitchFamily="34" charset="0"/>
-            </a:endParaRPr>
-          </a:p>
-          <a:p>
-            <a:pPr lvl="0" eaLnBrk="0" fontAlgn="base" hangingPunct="0">
-              <a:spcBef>
-                <a:spcPct val="0"/>
-              </a:spcBef>
-              <a:spcAft>
-                <a:spcPct val="0"/>
-              </a:spcAft>
-            </a:pPr>
-            <a:r>
-              <a:rPr lang="en-US" sz="2400" b="1" dirty="0">
-                <a:latin typeface="Georgia" pitchFamily="18" charset="0"/>
-                <a:cs typeface="Arial" pitchFamily="34" charset="0"/>
-              </a:rPr>
-              <a:t>    </a:t>
-            </a:r>
           </a:p>
         </p:txBody>
       </p:sp>
@@ -7441,7 +7473,7 @@
           <p:cNvPr id="4" name="TextBox 3">
             <a:extLst>
               <a:ext uri="{FF2B5EF4-FFF2-40B4-BE49-F238E27FC236}">
-                <a16:creationId xmlns="" xmlns:a16="http://schemas.microsoft.com/office/drawing/2014/main" id="{FC5F5965-FA4B-2D6B-3352-9BB45E156348}"/>
+                <a16:creationId xmlns:a16="http://schemas.microsoft.com/office/drawing/2014/main" xmlns="" id="{FC5F5965-FA4B-2D6B-3352-9BB45E156348}"/>
               </a:ext>
             </a:extLst>
           </p:cNvPr>
@@ -7476,7 +7508,7 @@
           <p:cNvPr id="5" name="Oval 4">
             <a:extLst>
               <a:ext uri="{FF2B5EF4-FFF2-40B4-BE49-F238E27FC236}">
-                <a16:creationId xmlns="" xmlns:a16="http://schemas.microsoft.com/office/drawing/2014/main" id="{D0D508DD-BD5F-9DE6-C28C-EB34AA1D179F}"/>
+                <a16:creationId xmlns:a16="http://schemas.microsoft.com/office/drawing/2014/main" xmlns="" id="{D0D508DD-BD5F-9DE6-C28C-EB34AA1D179F}"/>
               </a:ext>
             </a:extLst>
           </p:cNvPr>
@@ -7520,7 +7552,7 @@
           <p:cNvPr id="7" name="Straight Connector 6">
             <a:extLst>
               <a:ext uri="{FF2B5EF4-FFF2-40B4-BE49-F238E27FC236}">
-                <a16:creationId xmlns="" xmlns:a16="http://schemas.microsoft.com/office/drawing/2014/main" id="{BC56F4CC-3BBA-7384-621C-85312ADFE0EE}"/>
+                <a16:creationId xmlns:a16="http://schemas.microsoft.com/office/drawing/2014/main" xmlns="" id="{BC56F4CC-3BBA-7384-621C-85312ADFE0EE}"/>
               </a:ext>
             </a:extLst>
           </p:cNvPr>
@@ -7559,7 +7591,7 @@
           <p:cNvPr id="9" name="Straight Connector 8">
             <a:extLst>
               <a:ext uri="{FF2B5EF4-FFF2-40B4-BE49-F238E27FC236}">
-                <a16:creationId xmlns="" xmlns:a16="http://schemas.microsoft.com/office/drawing/2014/main" id="{1C473912-9393-B90C-9A56-F3B4AA512818}"/>
+                <a16:creationId xmlns:a16="http://schemas.microsoft.com/office/drawing/2014/main" xmlns="" id="{1C473912-9393-B90C-9A56-F3B4AA512818}"/>
               </a:ext>
             </a:extLst>
           </p:cNvPr>
@@ -7596,7 +7628,7 @@
           <p:cNvPr id="11" name="Straight Connector 10">
             <a:extLst>
               <a:ext uri="{FF2B5EF4-FFF2-40B4-BE49-F238E27FC236}">
-                <a16:creationId xmlns="" xmlns:a16="http://schemas.microsoft.com/office/drawing/2014/main" id="{FD2EB6DF-21A2-CFC6-4C74-B7E85CF53261}"/>
+                <a16:creationId xmlns:a16="http://schemas.microsoft.com/office/drawing/2014/main" xmlns="" id="{FD2EB6DF-21A2-CFC6-4C74-B7E85CF53261}"/>
               </a:ext>
             </a:extLst>
           </p:cNvPr>
@@ -7637,7 +7669,7 @@
           <p:cNvPr id="13" name="Straight Connector 12">
             <a:extLst>
               <a:ext uri="{FF2B5EF4-FFF2-40B4-BE49-F238E27FC236}">
-                <a16:creationId xmlns="" xmlns:a16="http://schemas.microsoft.com/office/drawing/2014/main" id="{9E301C52-DD46-9A58-8CE4-E8DA1A02C640}"/>
+                <a16:creationId xmlns:a16="http://schemas.microsoft.com/office/drawing/2014/main" xmlns="" id="{9E301C52-DD46-9A58-8CE4-E8DA1A02C640}"/>
               </a:ext>
             </a:extLst>
           </p:cNvPr>
@@ -7676,7 +7708,7 @@
           <p:cNvPr id="16" name="Oval 15">
             <a:extLst>
               <a:ext uri="{FF2B5EF4-FFF2-40B4-BE49-F238E27FC236}">
-                <a16:creationId xmlns="" xmlns:a16="http://schemas.microsoft.com/office/drawing/2014/main" id="{5FE513E3-C00D-216D-7053-612B0E01B57D}"/>
+                <a16:creationId xmlns:a16="http://schemas.microsoft.com/office/drawing/2014/main" xmlns="" id="{5FE513E3-C00D-216D-7053-612B0E01B57D}"/>
               </a:ext>
             </a:extLst>
           </p:cNvPr>
@@ -7720,7 +7752,7 @@
           <p:cNvPr id="17" name="Straight Connector 16">
             <a:extLst>
               <a:ext uri="{FF2B5EF4-FFF2-40B4-BE49-F238E27FC236}">
-                <a16:creationId xmlns="" xmlns:a16="http://schemas.microsoft.com/office/drawing/2014/main" id="{E90CA3D4-CE83-A0C4-53EB-FC0800B3C457}"/>
+                <a16:creationId xmlns:a16="http://schemas.microsoft.com/office/drawing/2014/main" xmlns="" id="{E90CA3D4-CE83-A0C4-53EB-FC0800B3C457}"/>
               </a:ext>
             </a:extLst>
           </p:cNvPr>
@@ -7759,7 +7791,7 @@
           <p:cNvPr id="18" name="Straight Connector 17">
             <a:extLst>
               <a:ext uri="{FF2B5EF4-FFF2-40B4-BE49-F238E27FC236}">
-                <a16:creationId xmlns="" xmlns:a16="http://schemas.microsoft.com/office/drawing/2014/main" id="{5567A8FF-FD21-9D20-708C-77AE599F2B01}"/>
+                <a16:creationId xmlns:a16="http://schemas.microsoft.com/office/drawing/2014/main" xmlns="" id="{5567A8FF-FD21-9D20-708C-77AE599F2B01}"/>
               </a:ext>
             </a:extLst>
           </p:cNvPr>
@@ -7796,7 +7828,7 @@
           <p:cNvPr id="19" name="Straight Connector 18">
             <a:extLst>
               <a:ext uri="{FF2B5EF4-FFF2-40B4-BE49-F238E27FC236}">
-                <a16:creationId xmlns="" xmlns:a16="http://schemas.microsoft.com/office/drawing/2014/main" id="{E5D12EB4-7152-4AFB-53CD-EA3A819B4810}"/>
+                <a16:creationId xmlns:a16="http://schemas.microsoft.com/office/drawing/2014/main" xmlns="" id="{E5D12EB4-7152-4AFB-53CD-EA3A819B4810}"/>
               </a:ext>
             </a:extLst>
           </p:cNvPr>
@@ -7837,7 +7869,7 @@
           <p:cNvPr id="20" name="Straight Connector 19">
             <a:extLst>
               <a:ext uri="{FF2B5EF4-FFF2-40B4-BE49-F238E27FC236}">
-                <a16:creationId xmlns="" xmlns:a16="http://schemas.microsoft.com/office/drawing/2014/main" id="{3B5C2CA5-F3CB-ACA3-E3F7-94EC95F8899C}"/>
+                <a16:creationId xmlns:a16="http://schemas.microsoft.com/office/drawing/2014/main" xmlns="" id="{3B5C2CA5-F3CB-ACA3-E3F7-94EC95F8899C}"/>
               </a:ext>
             </a:extLst>
           </p:cNvPr>
@@ -7876,7 +7908,7 @@
           <p:cNvPr id="21" name="TextBox 20">
             <a:extLst>
               <a:ext uri="{FF2B5EF4-FFF2-40B4-BE49-F238E27FC236}">
-                <a16:creationId xmlns="" xmlns:a16="http://schemas.microsoft.com/office/drawing/2014/main" id="{22C802F9-A208-D7E2-9514-ED7C2B753EF7}"/>
+                <a16:creationId xmlns:a16="http://schemas.microsoft.com/office/drawing/2014/main" xmlns="" id="{22C802F9-A208-D7E2-9514-ED7C2B753EF7}"/>
               </a:ext>
             </a:extLst>
           </p:cNvPr>
@@ -7912,7 +7944,7 @@
           <p:cNvPr id="22" name="TextBox 21">
             <a:extLst>
               <a:ext uri="{FF2B5EF4-FFF2-40B4-BE49-F238E27FC236}">
-                <a16:creationId xmlns="" xmlns:a16="http://schemas.microsoft.com/office/drawing/2014/main" id="{E06D61C2-2D05-F598-4B99-3986CC9C82FE}"/>
+                <a16:creationId xmlns:a16="http://schemas.microsoft.com/office/drawing/2014/main" xmlns="" id="{E06D61C2-2D05-F598-4B99-3986CC9C82FE}"/>
               </a:ext>
             </a:extLst>
           </p:cNvPr>
@@ -7947,7 +7979,7 @@
           <p:cNvPr id="23" name="Oval 22">
             <a:extLst>
               <a:ext uri="{FF2B5EF4-FFF2-40B4-BE49-F238E27FC236}">
-                <a16:creationId xmlns="" xmlns:a16="http://schemas.microsoft.com/office/drawing/2014/main" id="{D736E981-BE52-40A9-2AE6-0B8FE0D35BAE}"/>
+                <a16:creationId xmlns:a16="http://schemas.microsoft.com/office/drawing/2014/main" xmlns="" id="{D736E981-BE52-40A9-2AE6-0B8FE0D35BAE}"/>
               </a:ext>
             </a:extLst>
           </p:cNvPr>
@@ -7994,7 +8026,7 @@
           <p:cNvPr id="24" name="Oval 23">
             <a:extLst>
               <a:ext uri="{FF2B5EF4-FFF2-40B4-BE49-F238E27FC236}">
-                <a16:creationId xmlns="" xmlns:a16="http://schemas.microsoft.com/office/drawing/2014/main" id="{5D0EBADF-D4F5-623A-6326-1F4929E26B1A}"/>
+                <a16:creationId xmlns:a16="http://schemas.microsoft.com/office/drawing/2014/main" xmlns="" id="{5D0EBADF-D4F5-623A-6326-1F4929E26B1A}"/>
               </a:ext>
             </a:extLst>
           </p:cNvPr>
@@ -8041,7 +8073,7 @@
           <p:cNvPr id="25" name="Oval 24">
             <a:extLst>
               <a:ext uri="{FF2B5EF4-FFF2-40B4-BE49-F238E27FC236}">
-                <a16:creationId xmlns="" xmlns:a16="http://schemas.microsoft.com/office/drawing/2014/main" id="{92D22FD0-F73F-9639-198A-59ED91DC2904}"/>
+                <a16:creationId xmlns:a16="http://schemas.microsoft.com/office/drawing/2014/main" xmlns="" id="{92D22FD0-F73F-9639-198A-59ED91DC2904}"/>
               </a:ext>
             </a:extLst>
           </p:cNvPr>
@@ -8096,7 +8128,7 @@
           <p:cNvPr id="26" name="Oval 25">
             <a:extLst>
               <a:ext uri="{FF2B5EF4-FFF2-40B4-BE49-F238E27FC236}">
-                <a16:creationId xmlns="" xmlns:a16="http://schemas.microsoft.com/office/drawing/2014/main" id="{94895FF9-ADAD-24D7-115F-CA48F90185F1}"/>
+                <a16:creationId xmlns:a16="http://schemas.microsoft.com/office/drawing/2014/main" xmlns="" id="{94895FF9-ADAD-24D7-115F-CA48F90185F1}"/>
               </a:ext>
             </a:extLst>
           </p:cNvPr>
@@ -8151,7 +8183,7 @@
           <p:cNvPr id="27" name="Oval 26">
             <a:extLst>
               <a:ext uri="{FF2B5EF4-FFF2-40B4-BE49-F238E27FC236}">
-                <a16:creationId xmlns="" xmlns:a16="http://schemas.microsoft.com/office/drawing/2014/main" id="{DC3A98D8-D9D7-B1AD-D0B8-38DE6D7DEFA8}"/>
+                <a16:creationId xmlns:a16="http://schemas.microsoft.com/office/drawing/2014/main" xmlns="" id="{DC3A98D8-D9D7-B1AD-D0B8-38DE6D7DEFA8}"/>
               </a:ext>
             </a:extLst>
           </p:cNvPr>
@@ -8198,7 +8230,7 @@
           <p:cNvPr id="28" name="Oval 27">
             <a:extLst>
               <a:ext uri="{FF2B5EF4-FFF2-40B4-BE49-F238E27FC236}">
-                <a16:creationId xmlns="" xmlns:a16="http://schemas.microsoft.com/office/drawing/2014/main" id="{695D3230-F5C0-84BD-8C3D-C8B6607EA977}"/>
+                <a16:creationId xmlns:a16="http://schemas.microsoft.com/office/drawing/2014/main" xmlns="" id="{695D3230-F5C0-84BD-8C3D-C8B6607EA977}"/>
               </a:ext>
             </a:extLst>
           </p:cNvPr>
@@ -8245,7 +8277,7 @@
           <p:cNvPr id="30" name="Oval 29">
             <a:extLst>
               <a:ext uri="{FF2B5EF4-FFF2-40B4-BE49-F238E27FC236}">
-                <a16:creationId xmlns="" xmlns:a16="http://schemas.microsoft.com/office/drawing/2014/main" id="{5A9A5D98-7B2B-2501-95A7-9B80926CAF97}"/>
+                <a16:creationId xmlns:a16="http://schemas.microsoft.com/office/drawing/2014/main" xmlns="" id="{5A9A5D98-7B2B-2501-95A7-9B80926CAF97}"/>
               </a:ext>
             </a:extLst>
           </p:cNvPr>
@@ -8300,7 +8332,7 @@
           <p:cNvPr id="31" name="Oval 30">
             <a:extLst>
               <a:ext uri="{FF2B5EF4-FFF2-40B4-BE49-F238E27FC236}">
-                <a16:creationId xmlns="" xmlns:a16="http://schemas.microsoft.com/office/drawing/2014/main" id="{2495B0C6-2898-94F8-F39A-FF5512FDFA25}"/>
+                <a16:creationId xmlns:a16="http://schemas.microsoft.com/office/drawing/2014/main" xmlns="" id="{2495B0C6-2898-94F8-F39A-FF5512FDFA25}"/>
               </a:ext>
             </a:extLst>
           </p:cNvPr>
@@ -8347,7 +8379,7 @@
           <p:cNvPr id="32" name="Oval 31">
             <a:extLst>
               <a:ext uri="{FF2B5EF4-FFF2-40B4-BE49-F238E27FC236}">
-                <a16:creationId xmlns="" xmlns:a16="http://schemas.microsoft.com/office/drawing/2014/main" id="{D52A5D8F-561C-CA01-89D6-9C3D78260FC7}"/>
+                <a16:creationId xmlns:a16="http://schemas.microsoft.com/office/drawing/2014/main" xmlns="" id="{D52A5D8F-561C-CA01-89D6-9C3D78260FC7}"/>
               </a:ext>
             </a:extLst>
           </p:cNvPr>
@@ -8394,7 +8426,7 @@
           <p:cNvPr id="37" name="Straight Connector 36">
             <a:extLst>
               <a:ext uri="{FF2B5EF4-FFF2-40B4-BE49-F238E27FC236}">
-                <a16:creationId xmlns="" xmlns:a16="http://schemas.microsoft.com/office/drawing/2014/main" id="{38484C5C-2A8E-CDBC-D287-4F978F3022E8}"/>
+                <a16:creationId xmlns:a16="http://schemas.microsoft.com/office/drawing/2014/main" xmlns="" id="{38484C5C-2A8E-CDBC-D287-4F978F3022E8}"/>
               </a:ext>
             </a:extLst>
           </p:cNvPr>
@@ -8433,7 +8465,7 @@
           <p:cNvPr id="39" name="Straight Connector 38">
             <a:extLst>
               <a:ext uri="{FF2B5EF4-FFF2-40B4-BE49-F238E27FC236}">
-                <a16:creationId xmlns="" xmlns:a16="http://schemas.microsoft.com/office/drawing/2014/main" id="{3C2B6D31-60C7-ACFD-67E1-C062906E8329}"/>
+                <a16:creationId xmlns:a16="http://schemas.microsoft.com/office/drawing/2014/main" xmlns="" id="{3C2B6D31-60C7-ACFD-67E1-C062906E8329}"/>
               </a:ext>
             </a:extLst>
           </p:cNvPr>
@@ -8472,7 +8504,7 @@
           <p:cNvPr id="43" name="Straight Connector 42">
             <a:extLst>
               <a:ext uri="{FF2B5EF4-FFF2-40B4-BE49-F238E27FC236}">
-                <a16:creationId xmlns="" xmlns:a16="http://schemas.microsoft.com/office/drawing/2014/main" id="{CA3AB1D3-8115-49FA-5BC1-81F71A4D93DE}"/>
+                <a16:creationId xmlns:a16="http://schemas.microsoft.com/office/drawing/2014/main" xmlns="" id="{CA3AB1D3-8115-49FA-5BC1-81F71A4D93DE}"/>
               </a:ext>
             </a:extLst>
           </p:cNvPr>
@@ -8511,7 +8543,7 @@
           <p:cNvPr id="45" name="Straight Connector 44">
             <a:extLst>
               <a:ext uri="{FF2B5EF4-FFF2-40B4-BE49-F238E27FC236}">
-                <a16:creationId xmlns="" xmlns:a16="http://schemas.microsoft.com/office/drawing/2014/main" id="{3D3771B5-6575-112C-2C4B-B0F3EAE0BED2}"/>
+                <a16:creationId xmlns:a16="http://schemas.microsoft.com/office/drawing/2014/main" xmlns="" id="{3D3771B5-6575-112C-2C4B-B0F3EAE0BED2}"/>
               </a:ext>
             </a:extLst>
           </p:cNvPr>
@@ -8550,7 +8582,7 @@
           <p:cNvPr id="47" name="Straight Connector 46">
             <a:extLst>
               <a:ext uri="{FF2B5EF4-FFF2-40B4-BE49-F238E27FC236}">
-                <a16:creationId xmlns="" xmlns:a16="http://schemas.microsoft.com/office/drawing/2014/main" id="{7CFBB52F-69E5-E8AA-729C-0C5C81D98C17}"/>
+                <a16:creationId xmlns:a16="http://schemas.microsoft.com/office/drawing/2014/main" xmlns="" id="{7CFBB52F-69E5-E8AA-729C-0C5C81D98C17}"/>
               </a:ext>
             </a:extLst>
           </p:cNvPr>
@@ -8589,7 +8621,7 @@
           <p:cNvPr id="49" name="Straight Connector 48">
             <a:extLst>
               <a:ext uri="{FF2B5EF4-FFF2-40B4-BE49-F238E27FC236}">
-                <a16:creationId xmlns="" xmlns:a16="http://schemas.microsoft.com/office/drawing/2014/main" id="{9EB4D2F2-D437-8753-BC57-CD679BE349C8}"/>
+                <a16:creationId xmlns:a16="http://schemas.microsoft.com/office/drawing/2014/main" xmlns="" id="{9EB4D2F2-D437-8753-BC57-CD679BE349C8}"/>
               </a:ext>
             </a:extLst>
           </p:cNvPr>
@@ -8628,7 +8660,7 @@
           <p:cNvPr id="51" name="Straight Connector 50">
             <a:extLst>
               <a:ext uri="{FF2B5EF4-FFF2-40B4-BE49-F238E27FC236}">
-                <a16:creationId xmlns="" xmlns:a16="http://schemas.microsoft.com/office/drawing/2014/main" id="{B8BE04CC-4ABA-6279-9F11-8776C053E6BC}"/>
+                <a16:creationId xmlns:a16="http://schemas.microsoft.com/office/drawing/2014/main" xmlns="" id="{B8BE04CC-4ABA-6279-9F11-8776C053E6BC}"/>
               </a:ext>
             </a:extLst>
           </p:cNvPr>
@@ -8667,7 +8699,7 @@
           <p:cNvPr id="53" name="Straight Connector 52">
             <a:extLst>
               <a:ext uri="{FF2B5EF4-FFF2-40B4-BE49-F238E27FC236}">
-                <a16:creationId xmlns="" xmlns:a16="http://schemas.microsoft.com/office/drawing/2014/main" id="{A42A5CE4-C9C6-CC35-0A72-F2D6B05DF263}"/>
+                <a16:creationId xmlns:a16="http://schemas.microsoft.com/office/drawing/2014/main" xmlns="" id="{A42A5CE4-C9C6-CC35-0A72-F2D6B05DF263}"/>
               </a:ext>
             </a:extLst>
           </p:cNvPr>
@@ -8706,7 +8738,7 @@
           <p:cNvPr id="55" name="Straight Connector 54">
             <a:extLst>
               <a:ext uri="{FF2B5EF4-FFF2-40B4-BE49-F238E27FC236}">
-                <a16:creationId xmlns="" xmlns:a16="http://schemas.microsoft.com/office/drawing/2014/main" id="{5D82C3ED-1AAA-B195-DCF8-5BB176F7B7A3}"/>
+                <a16:creationId xmlns:a16="http://schemas.microsoft.com/office/drawing/2014/main" xmlns="" id="{5D82C3ED-1AAA-B195-DCF8-5BB176F7B7A3}"/>
               </a:ext>
             </a:extLst>
           </p:cNvPr>
@@ -8746,7 +8778,7 @@
           <p:cNvPr id="58" name="Straight Connector 57">
             <a:extLst>
               <a:ext uri="{FF2B5EF4-FFF2-40B4-BE49-F238E27FC236}">
-                <a16:creationId xmlns="" xmlns:a16="http://schemas.microsoft.com/office/drawing/2014/main" id="{B4832562-55ED-4F6C-1309-AB980844C079}"/>
+                <a16:creationId xmlns:a16="http://schemas.microsoft.com/office/drawing/2014/main" xmlns="" id="{B4832562-55ED-4F6C-1309-AB980844C079}"/>
               </a:ext>
             </a:extLst>
           </p:cNvPr>
@@ -8785,7 +8817,7 @@
           <p:cNvPr id="60" name="Straight Connector 59">
             <a:extLst>
               <a:ext uri="{FF2B5EF4-FFF2-40B4-BE49-F238E27FC236}">
-                <a16:creationId xmlns="" xmlns:a16="http://schemas.microsoft.com/office/drawing/2014/main" id="{A66CCC69-0C44-CE03-05F8-766517BB61A7}"/>
+                <a16:creationId xmlns:a16="http://schemas.microsoft.com/office/drawing/2014/main" xmlns="" id="{A66CCC69-0C44-CE03-05F8-766517BB61A7}"/>
               </a:ext>
             </a:extLst>
           </p:cNvPr>
